--- a/News Analytics.pptx
+++ b/News Analytics.pptx
@@ -6,13 +6,22 @@
   </p:sldMasterIdLst>
   <p:sldIdLst>
     <p:sldId id="257" r:id="rId2"/>
-    <p:sldId id="258" r:id="rId3"/>
-    <p:sldId id="259" r:id="rId4"/>
-    <p:sldId id="260" r:id="rId5"/>
-    <p:sldId id="261" r:id="rId6"/>
-    <p:sldId id="262" r:id="rId7"/>
-    <p:sldId id="263" r:id="rId8"/>
-    <p:sldId id="264" r:id="rId9"/>
+    <p:sldId id="265" r:id="rId3"/>
+    <p:sldId id="258" r:id="rId4"/>
+    <p:sldId id="267" r:id="rId5"/>
+    <p:sldId id="259" r:id="rId6"/>
+    <p:sldId id="269" r:id="rId7"/>
+    <p:sldId id="260" r:id="rId8"/>
+    <p:sldId id="268" r:id="rId9"/>
+    <p:sldId id="266" r:id="rId10"/>
+    <p:sldId id="262" r:id="rId11"/>
+    <p:sldId id="270" r:id="rId12"/>
+    <p:sldId id="271" r:id="rId13"/>
+    <p:sldId id="263" r:id="rId14"/>
+    <p:sldId id="272" r:id="rId15"/>
+    <p:sldId id="273" r:id="rId16"/>
+    <p:sldId id="274" r:id="rId17"/>
+    <p:sldId id="264" r:id="rId18"/>
   </p:sldIdLst>
   <p:sldSz cx="12192000" cy="6858000"/>
   <p:notesSz cx="6858000" cy="9144000"/>
@@ -348,7 +357,7 @@
           <a:p>
             <a:fld id="{37ECDAC7-8DD4-438C-964C-5DE9B11FE2DD}" type="datetimeFigureOut">
               <a:rPr lang="en-US" smtClean="0"/>
-              <a:t>3/29/2016</a:t>
+              <a:t>4/19/2016</a:t>
             </a:fld>
             <a:endParaRPr lang="en-US"/>
           </a:p>
@@ -682,7 +691,7 @@
           <a:p>
             <a:fld id="{37ECDAC7-8DD4-438C-964C-5DE9B11FE2DD}" type="datetimeFigureOut">
               <a:rPr lang="en-US" smtClean="0"/>
-              <a:t>3/29/2016</a:t>
+              <a:t>4/19/2016</a:t>
             </a:fld>
             <a:endParaRPr lang="en-US"/>
           </a:p>
@@ -960,7 +969,7 @@
           <a:p>
             <a:fld id="{37ECDAC7-8DD4-438C-964C-5DE9B11FE2DD}" type="datetimeFigureOut">
               <a:rPr lang="en-US" smtClean="0"/>
-              <a:t>3/29/2016</a:t>
+              <a:t>4/19/2016</a:t>
             </a:fld>
             <a:endParaRPr lang="en-US"/>
           </a:p>
@@ -1528,7 +1537,7 @@
           <a:p>
             <a:fld id="{37ECDAC7-8DD4-438C-964C-5DE9B11FE2DD}" type="datetimeFigureOut">
               <a:rPr lang="en-US" smtClean="0"/>
-              <a:t>3/29/2016</a:t>
+              <a:t>4/19/2016</a:t>
             </a:fld>
             <a:endParaRPr lang="en-US"/>
           </a:p>
@@ -1806,7 +1815,7 @@
           <a:p>
             <a:fld id="{37ECDAC7-8DD4-438C-964C-5DE9B11FE2DD}" type="datetimeFigureOut">
               <a:rPr lang="en-US" smtClean="0"/>
-              <a:t>3/29/2016</a:t>
+              <a:t>4/19/2016</a:t>
             </a:fld>
             <a:endParaRPr lang="en-US"/>
           </a:p>
@@ -2368,7 +2377,7 @@
           <a:p>
             <a:fld id="{37ECDAC7-8DD4-438C-964C-5DE9B11FE2DD}" type="datetimeFigureOut">
               <a:rPr lang="en-US" smtClean="0"/>
-              <a:t>3/29/2016</a:t>
+              <a:t>4/19/2016</a:t>
             </a:fld>
             <a:endParaRPr lang="en-US"/>
           </a:p>
@@ -2695,7 +2704,7 @@
           <a:p>
             <a:fld id="{37ECDAC7-8DD4-438C-964C-5DE9B11FE2DD}" type="datetimeFigureOut">
               <a:rPr lang="en-US" smtClean="0"/>
-              <a:t>3/29/2016</a:t>
+              <a:t>4/19/2016</a:t>
             </a:fld>
             <a:endParaRPr lang="en-US"/>
           </a:p>
@@ -2872,7 +2881,7 @@
           <a:p>
             <a:fld id="{37ECDAC7-8DD4-438C-964C-5DE9B11FE2DD}" type="datetimeFigureOut">
               <a:rPr lang="en-US" smtClean="0"/>
-              <a:t>3/29/2016</a:t>
+              <a:t>4/19/2016</a:t>
             </a:fld>
             <a:endParaRPr lang="en-US"/>
           </a:p>
@@ -3110,7 +3119,7 @@
           <a:p>
             <a:fld id="{37ECDAC7-8DD4-438C-964C-5DE9B11FE2DD}" type="datetimeFigureOut">
               <a:rPr lang="en-US" smtClean="0"/>
-              <a:t>3/29/2016</a:t>
+              <a:t>4/19/2016</a:t>
             </a:fld>
             <a:endParaRPr lang="en-US"/>
           </a:p>
@@ -3310,7 +3319,7 @@
           <a:p>
             <a:fld id="{37ECDAC7-8DD4-438C-964C-5DE9B11FE2DD}" type="datetimeFigureOut">
               <a:rPr lang="en-US" smtClean="0"/>
-              <a:t>3/29/2016</a:t>
+              <a:t>4/19/2016</a:t>
             </a:fld>
             <a:endParaRPr lang="en-US"/>
           </a:p>
@@ -3586,7 +3595,7 @@
           <a:p>
             <a:fld id="{37ECDAC7-8DD4-438C-964C-5DE9B11FE2DD}" type="datetimeFigureOut">
               <a:rPr lang="en-US" smtClean="0"/>
-              <a:t>3/29/2016</a:t>
+              <a:t>4/19/2016</a:t>
             </a:fld>
             <a:endParaRPr lang="en-US"/>
           </a:p>
@@ -3852,7 +3861,7 @@
           <a:p>
             <a:fld id="{37ECDAC7-8DD4-438C-964C-5DE9B11FE2DD}" type="datetimeFigureOut">
               <a:rPr lang="en-US" smtClean="0"/>
-              <a:t>3/29/2016</a:t>
+              <a:t>4/19/2016</a:t>
             </a:fld>
             <a:endParaRPr lang="en-US"/>
           </a:p>
@@ -4226,7 +4235,7 @@
           <a:p>
             <a:fld id="{37ECDAC7-8DD4-438C-964C-5DE9B11FE2DD}" type="datetimeFigureOut">
               <a:rPr lang="en-US" smtClean="0"/>
-              <a:t>3/29/2016</a:t>
+              <a:t>4/19/2016</a:t>
             </a:fld>
             <a:endParaRPr lang="en-US"/>
           </a:p>
@@ -4374,7 +4383,7 @@
           <a:p>
             <a:fld id="{37ECDAC7-8DD4-438C-964C-5DE9B11FE2DD}" type="datetimeFigureOut">
               <a:rPr lang="en-US" smtClean="0"/>
-              <a:t>3/29/2016</a:t>
+              <a:t>4/19/2016</a:t>
             </a:fld>
             <a:endParaRPr lang="en-US"/>
           </a:p>
@@ -4499,7 +4508,7 @@
           <a:p>
             <a:fld id="{37ECDAC7-8DD4-438C-964C-5DE9B11FE2DD}" type="datetimeFigureOut">
               <a:rPr lang="en-US" smtClean="0"/>
-              <a:t>3/29/2016</a:t>
+              <a:t>4/19/2016</a:t>
             </a:fld>
             <a:endParaRPr lang="en-US"/>
           </a:p>
@@ -4784,7 +4793,7 @@
           <a:p>
             <a:fld id="{37ECDAC7-8DD4-438C-964C-5DE9B11FE2DD}" type="datetimeFigureOut">
               <a:rPr lang="en-US" smtClean="0"/>
-              <a:t>3/29/2016</a:t>
+              <a:t>4/19/2016</a:t>
             </a:fld>
             <a:endParaRPr lang="en-US"/>
           </a:p>
@@ -5108,7 +5117,7 @@
           <a:p>
             <a:fld id="{37ECDAC7-8DD4-438C-964C-5DE9B11FE2DD}" type="datetimeFigureOut">
               <a:rPr lang="en-US" smtClean="0"/>
-              <a:t>3/29/2016</a:t>
+              <a:t>4/19/2016</a:t>
             </a:fld>
             <a:endParaRPr lang="en-US"/>
           </a:p>
@@ -5322,7 +5331,7 @@
           <a:p>
             <a:fld id="{37ECDAC7-8DD4-438C-964C-5DE9B11FE2DD}" type="datetimeFigureOut">
               <a:rPr lang="en-US" smtClean="0"/>
-              <a:t>3/29/2016</a:t>
+              <a:t>4/19/2016</a:t>
             </a:fld>
             <a:endParaRPr lang="en-US"/>
           </a:p>
@@ -5918,6 +5927,1475 @@
 </p:sld>
 </file>
 
+<file path=ppt/slides/slide10.xml><?xml version="1.0" encoding="utf-8"?>
+<p:sld xmlns:a="http://schemas.openxmlformats.org/drawingml/2006/main" xmlns:r="http://schemas.openxmlformats.org/officeDocument/2006/relationships" xmlns:p="http://schemas.openxmlformats.org/presentationml/2006/main">
+  <p:cSld>
+    <p:spTree>
+      <p:nvGrpSpPr>
+        <p:cNvPr id="1" name=""/>
+        <p:cNvGrpSpPr/>
+        <p:nvPr/>
+      </p:nvGrpSpPr>
+      <p:grpSpPr>
+        <a:xfrm>
+          <a:off x="0" y="0"/>
+          <a:ext cx="0" cy="0"/>
+          <a:chOff x="0" y="0"/>
+          <a:chExt cx="0" cy="0"/>
+        </a:xfrm>
+      </p:grpSpPr>
+      <p:sp>
+        <p:nvSpPr>
+          <p:cNvPr id="2" name="Title 1"/>
+          <p:cNvSpPr>
+            <a:spLocks noGrp="1"/>
+          </p:cNvSpPr>
+          <p:nvPr>
+            <p:ph type="title"/>
+          </p:nvPr>
+        </p:nvSpPr>
+        <p:spPr/>
+        <p:txBody>
+          <a:bodyPr>
+            <a:normAutofit/>
+          </a:bodyPr>
+          <a:lstStyle/>
+          <a:p>
+            <a:r>
+              <a:rPr lang="en-US" sz="4800" dirty="0" smtClean="0"/>
+              <a:t>Programming in </a:t>
+            </a:r>
+            <a:r>
+              <a:rPr lang="en-US" sz="4800" dirty="0" err="1" smtClean="0"/>
+              <a:t>scala</a:t>
+            </a:r>
+            <a:endParaRPr lang="en-US" sz="4800" dirty="0"/>
+          </a:p>
+        </p:txBody>
+      </p:sp>
+      <p:sp>
+        <p:nvSpPr>
+          <p:cNvPr id="3" name="Content Placeholder 2"/>
+          <p:cNvSpPr>
+            <a:spLocks noGrp="1"/>
+          </p:cNvSpPr>
+          <p:nvPr>
+            <p:ph idx="1"/>
+          </p:nvPr>
+        </p:nvSpPr>
+        <p:spPr/>
+        <p:txBody>
+          <a:bodyPr/>
+          <a:lstStyle/>
+          <a:p>
+            <a:r>
+              <a:rPr lang="en-US" sz="2400" dirty="0" smtClean="0"/>
+              <a:t>Web Crawler</a:t>
+            </a:r>
+          </a:p>
+          <a:p>
+            <a:r>
+              <a:rPr lang="en-US" sz="2400" dirty="0" smtClean="0"/>
+              <a:t>Filtering Data</a:t>
+            </a:r>
+          </a:p>
+          <a:p>
+            <a:r>
+              <a:rPr lang="en-US" sz="2400" dirty="0" smtClean="0"/>
+              <a:t>Storing in text file and retrieving </a:t>
+            </a:r>
+          </a:p>
+          <a:p>
+            <a:endParaRPr lang="en-US" dirty="0"/>
+          </a:p>
+        </p:txBody>
+      </p:sp>
+    </p:spTree>
+    <p:extLst>
+      <p:ext uri="{BB962C8B-B14F-4D97-AF65-F5344CB8AC3E}">
+        <p14:creationId xmlns:p14="http://schemas.microsoft.com/office/powerpoint/2010/main" val="2503263782"/>
+      </p:ext>
+    </p:extLst>
+  </p:cSld>
+  <p:clrMapOvr>
+    <a:masterClrMapping/>
+  </p:clrMapOvr>
+  <p:timing>
+    <p:tnLst>
+      <p:par>
+        <p:cTn id="1" dur="indefinite" restart="never" nodeType="tmRoot"/>
+      </p:par>
+    </p:tnLst>
+  </p:timing>
+</p:sld>
+</file>
+
+<file path=ppt/slides/slide11.xml><?xml version="1.0" encoding="utf-8"?>
+<p:sld xmlns:a="http://schemas.openxmlformats.org/drawingml/2006/main" xmlns:r="http://schemas.openxmlformats.org/officeDocument/2006/relationships" xmlns:p="http://schemas.openxmlformats.org/presentationml/2006/main">
+  <p:cSld>
+    <p:spTree>
+      <p:nvGrpSpPr>
+        <p:cNvPr id="1" name=""/>
+        <p:cNvGrpSpPr/>
+        <p:nvPr/>
+      </p:nvGrpSpPr>
+      <p:grpSpPr>
+        <a:xfrm>
+          <a:off x="0" y="0"/>
+          <a:ext cx="0" cy="0"/>
+          <a:chOff x="0" y="0"/>
+          <a:chExt cx="0" cy="0"/>
+        </a:xfrm>
+      </p:grpSpPr>
+      <p:sp>
+        <p:nvSpPr>
+          <p:cNvPr id="2" name="Title 1"/>
+          <p:cNvSpPr>
+            <a:spLocks noGrp="1"/>
+          </p:cNvSpPr>
+          <p:nvPr>
+            <p:ph type="title"/>
+          </p:nvPr>
+        </p:nvSpPr>
+        <p:spPr>
+          <a:xfrm>
+            <a:off x="685801" y="1291822"/>
+            <a:ext cx="10131425" cy="1456267"/>
+          </a:xfrm>
+        </p:spPr>
+        <p:txBody>
+          <a:bodyPr>
+            <a:normAutofit/>
+          </a:bodyPr>
+          <a:lstStyle/>
+          <a:p>
+            <a:r>
+              <a:rPr lang="en-US" sz="4800" dirty="0" smtClean="0"/>
+              <a:t>Scala Tests</a:t>
+            </a:r>
+            <a:endParaRPr lang="en-US" sz="4800" dirty="0"/>
+          </a:p>
+        </p:txBody>
+      </p:sp>
+      <p:sp>
+        <p:nvSpPr>
+          <p:cNvPr id="3" name="Content Placeholder 2"/>
+          <p:cNvSpPr>
+            <a:spLocks noGrp="1"/>
+          </p:cNvSpPr>
+          <p:nvPr>
+            <p:ph idx="1"/>
+          </p:nvPr>
+        </p:nvSpPr>
+        <p:spPr/>
+        <p:txBody>
+          <a:bodyPr>
+            <a:normAutofit/>
+          </a:bodyPr>
+          <a:lstStyle/>
+          <a:p>
+            <a:r>
+              <a:rPr lang="en-US" sz="2400" dirty="0" smtClean="0"/>
+              <a:t>Total No of </a:t>
+            </a:r>
+            <a:r>
+              <a:rPr lang="en-US" sz="2400" dirty="0"/>
+              <a:t>S</a:t>
+            </a:r>
+            <a:r>
+              <a:rPr lang="en-US" sz="2400" dirty="0" smtClean="0"/>
+              <a:t>cala Tests written: </a:t>
+            </a:r>
+            <a:r>
+              <a:rPr lang="en-US" sz="2400" dirty="0" smtClean="0"/>
+              <a:t>11</a:t>
+            </a:r>
+            <a:endParaRPr lang="en-US" sz="2400" dirty="0" smtClean="0"/>
+          </a:p>
+          <a:p>
+            <a:r>
+              <a:rPr lang="en-US" sz="2400" dirty="0" smtClean="0"/>
+              <a:t>Scala tests written on: </a:t>
+            </a:r>
+            <a:r>
+              <a:rPr lang="en-US" sz="2400" dirty="0" err="1" smtClean="0"/>
+              <a:t>Webcrawler</a:t>
+            </a:r>
+            <a:r>
+              <a:rPr lang="en-US" sz="2400" dirty="0" smtClean="0"/>
+              <a:t>, </a:t>
+            </a:r>
+            <a:r>
+              <a:rPr lang="en-US" sz="2400" dirty="0" err="1" smtClean="0"/>
+              <a:t>FilterNewsURL</a:t>
+            </a:r>
+            <a:r>
+              <a:rPr lang="en-US" sz="2400" dirty="0" smtClean="0"/>
+              <a:t> and </a:t>
+            </a:r>
+            <a:r>
+              <a:rPr lang="en-US" sz="2400" dirty="0" err="1" smtClean="0"/>
+              <a:t>LinkParser</a:t>
+            </a:r>
+            <a:endParaRPr lang="en-US" sz="2400" dirty="0"/>
+          </a:p>
+        </p:txBody>
+      </p:sp>
+    </p:spTree>
+    <p:extLst>
+      <p:ext uri="{BB962C8B-B14F-4D97-AF65-F5344CB8AC3E}">
+        <p14:creationId xmlns:p14="http://schemas.microsoft.com/office/powerpoint/2010/main" val="2816557676"/>
+      </p:ext>
+    </p:extLst>
+  </p:cSld>
+  <p:clrMapOvr>
+    <a:masterClrMapping/>
+  </p:clrMapOvr>
+</p:sld>
+</file>
+
+<file path=ppt/slides/slide12.xml><?xml version="1.0" encoding="utf-8"?>
+<p:sld xmlns:a="http://schemas.openxmlformats.org/drawingml/2006/main" xmlns:r="http://schemas.openxmlformats.org/officeDocument/2006/relationships" xmlns:p="http://schemas.openxmlformats.org/presentationml/2006/main">
+  <p:cSld>
+    <p:spTree>
+      <p:nvGrpSpPr>
+        <p:cNvPr id="1" name=""/>
+        <p:cNvGrpSpPr/>
+        <p:nvPr/>
+      </p:nvGrpSpPr>
+      <p:grpSpPr>
+        <a:xfrm>
+          <a:off x="0" y="0"/>
+          <a:ext cx="0" cy="0"/>
+          <a:chOff x="0" y="0"/>
+          <a:chExt cx="0" cy="0"/>
+        </a:xfrm>
+      </p:grpSpPr>
+      <p:sp>
+        <p:nvSpPr>
+          <p:cNvPr id="4" name="Title 3"/>
+          <p:cNvSpPr>
+            <a:spLocks noGrp="1"/>
+          </p:cNvSpPr>
+          <p:nvPr>
+            <p:ph type="title"/>
+          </p:nvPr>
+        </p:nvSpPr>
+        <p:spPr>
+          <a:xfrm>
+            <a:off x="685801" y="107365"/>
+            <a:ext cx="10131425" cy="1456267"/>
+          </a:xfrm>
+        </p:spPr>
+        <p:txBody>
+          <a:bodyPr>
+            <a:normAutofit/>
+          </a:bodyPr>
+          <a:lstStyle/>
+          <a:p>
+            <a:r>
+              <a:rPr lang="en-US" sz="4800" dirty="0" smtClean="0"/>
+              <a:t>Working of the project</a:t>
+            </a:r>
+            <a:endParaRPr lang="en-US" sz="4800" dirty="0"/>
+          </a:p>
+        </p:txBody>
+      </p:sp>
+      <p:sp>
+        <p:nvSpPr>
+          <p:cNvPr id="6" name="Rectangle 5"/>
+          <p:cNvSpPr/>
+          <p:nvPr/>
+        </p:nvSpPr>
+        <p:spPr>
+          <a:xfrm>
+            <a:off x="978794" y="2538770"/>
+            <a:ext cx="1996226" cy="1492903"/>
+          </a:xfrm>
+          <a:prstGeom prst="rect">
+            <a:avLst/>
+          </a:prstGeom>
+          <a:solidFill>
+            <a:schemeClr val="tx1"/>
+          </a:solidFill>
+          <a:ln>
+            <a:solidFill>
+              <a:schemeClr val="bg1"/>
+            </a:solidFill>
+          </a:ln>
+        </p:spPr>
+        <p:style>
+          <a:lnRef idx="2">
+            <a:schemeClr val="accent1">
+              <a:shade val="50000"/>
+            </a:schemeClr>
+          </a:lnRef>
+          <a:fillRef idx="1">
+            <a:schemeClr val="accent1"/>
+          </a:fillRef>
+          <a:effectRef idx="0">
+            <a:schemeClr val="accent1"/>
+          </a:effectRef>
+          <a:fontRef idx="minor">
+            <a:schemeClr val="lt1"/>
+          </a:fontRef>
+        </p:style>
+        <p:txBody>
+          <a:bodyPr rtlCol="0" anchor="ctr"/>
+          <a:lstStyle/>
+          <a:p>
+            <a:pPr algn="ctr"/>
+            <a:endParaRPr lang="en-US"/>
+          </a:p>
+        </p:txBody>
+      </p:sp>
+      <p:sp>
+        <p:nvSpPr>
+          <p:cNvPr id="7" name="TextBox 6"/>
+          <p:cNvSpPr txBox="1"/>
+          <p:nvPr/>
+        </p:nvSpPr>
+        <p:spPr>
+          <a:xfrm>
+            <a:off x="1305596" y="3001795"/>
+            <a:ext cx="1661375" cy="369332"/>
+          </a:xfrm>
+          <a:prstGeom prst="rect">
+            <a:avLst/>
+          </a:prstGeom>
+          <a:noFill/>
+        </p:spPr>
+        <p:txBody>
+          <a:bodyPr wrap="square" rtlCol="0">
+            <a:spAutoFit/>
+          </a:bodyPr>
+          <a:lstStyle/>
+          <a:p>
+            <a:r>
+              <a:rPr lang="en-US" dirty="0" smtClean="0">
+                <a:solidFill>
+                  <a:schemeClr val="bg1"/>
+                </a:solidFill>
+              </a:rPr>
+              <a:t>Web Crawler</a:t>
+            </a:r>
+            <a:endParaRPr lang="en-US" dirty="0">
+              <a:solidFill>
+                <a:schemeClr val="bg1"/>
+              </a:solidFill>
+            </a:endParaRPr>
+          </a:p>
+        </p:txBody>
+      </p:sp>
+      <p:sp>
+        <p:nvSpPr>
+          <p:cNvPr id="8" name="Rectangle 7"/>
+          <p:cNvSpPr/>
+          <p:nvPr/>
+        </p:nvSpPr>
+        <p:spPr>
+          <a:xfrm>
+            <a:off x="4411014" y="2538770"/>
+            <a:ext cx="2228045" cy="1492903"/>
+          </a:xfrm>
+          <a:prstGeom prst="rect">
+            <a:avLst/>
+          </a:prstGeom>
+          <a:solidFill>
+            <a:schemeClr val="tx1"/>
+          </a:solidFill>
+          <a:ln>
+            <a:solidFill>
+              <a:schemeClr val="bg1"/>
+            </a:solidFill>
+          </a:ln>
+        </p:spPr>
+        <p:style>
+          <a:lnRef idx="2">
+            <a:schemeClr val="accent1">
+              <a:shade val="50000"/>
+            </a:schemeClr>
+          </a:lnRef>
+          <a:fillRef idx="1">
+            <a:schemeClr val="accent1"/>
+          </a:fillRef>
+          <a:effectRef idx="0">
+            <a:schemeClr val="accent1"/>
+          </a:effectRef>
+          <a:fontRef idx="minor">
+            <a:schemeClr val="lt1"/>
+          </a:fontRef>
+        </p:style>
+        <p:txBody>
+          <a:bodyPr rtlCol="0" anchor="ctr"/>
+          <a:lstStyle/>
+          <a:p>
+            <a:pPr algn="ctr"/>
+            <a:endParaRPr lang="en-US"/>
+          </a:p>
+        </p:txBody>
+      </p:sp>
+      <p:sp>
+        <p:nvSpPr>
+          <p:cNvPr id="9" name="Rectangle 8"/>
+          <p:cNvSpPr/>
+          <p:nvPr/>
+        </p:nvSpPr>
+        <p:spPr>
+          <a:xfrm>
+            <a:off x="7804597" y="2538770"/>
+            <a:ext cx="2253803" cy="1492903"/>
+          </a:xfrm>
+          <a:prstGeom prst="rect">
+            <a:avLst/>
+          </a:prstGeom>
+          <a:solidFill>
+            <a:schemeClr val="tx1"/>
+          </a:solidFill>
+          <a:ln>
+            <a:solidFill>
+              <a:schemeClr val="bg1"/>
+            </a:solidFill>
+          </a:ln>
+        </p:spPr>
+        <p:style>
+          <a:lnRef idx="2">
+            <a:schemeClr val="accent1">
+              <a:shade val="50000"/>
+            </a:schemeClr>
+          </a:lnRef>
+          <a:fillRef idx="1">
+            <a:schemeClr val="accent1"/>
+          </a:fillRef>
+          <a:effectRef idx="0">
+            <a:schemeClr val="accent1"/>
+          </a:effectRef>
+          <a:fontRef idx="minor">
+            <a:schemeClr val="lt1"/>
+          </a:fontRef>
+        </p:style>
+        <p:txBody>
+          <a:bodyPr rtlCol="0" anchor="ctr"/>
+          <a:lstStyle/>
+          <a:p>
+            <a:pPr algn="ctr"/>
+            <a:endParaRPr lang="en-US"/>
+          </a:p>
+        </p:txBody>
+      </p:sp>
+      <p:sp>
+        <p:nvSpPr>
+          <p:cNvPr id="10" name="TextBox 9"/>
+          <p:cNvSpPr txBox="1"/>
+          <p:nvPr/>
+        </p:nvSpPr>
+        <p:spPr>
+          <a:xfrm>
+            <a:off x="4597757" y="2907695"/>
+            <a:ext cx="1944710" cy="646331"/>
+          </a:xfrm>
+          <a:prstGeom prst="rect">
+            <a:avLst/>
+          </a:prstGeom>
+          <a:noFill/>
+        </p:spPr>
+        <p:txBody>
+          <a:bodyPr wrap="square" rtlCol="0">
+            <a:spAutoFit/>
+          </a:bodyPr>
+          <a:lstStyle/>
+          <a:p>
+            <a:r>
+              <a:rPr lang="en-US" dirty="0" err="1" smtClean="0">
+                <a:solidFill>
+                  <a:schemeClr val="bg1"/>
+                </a:solidFill>
+              </a:rPr>
+              <a:t>newsURLS</a:t>
+            </a:r>
+            <a:r>
+              <a:rPr lang="en-US" dirty="0" smtClean="0">
+                <a:solidFill>
+                  <a:schemeClr val="bg1"/>
+                </a:solidFill>
+              </a:rPr>
+              <a:t> ( Crawled news </a:t>
+            </a:r>
+            <a:r>
+              <a:rPr lang="en-US" dirty="0" err="1" smtClean="0">
+                <a:solidFill>
+                  <a:schemeClr val="bg1"/>
+                </a:solidFill>
+              </a:rPr>
+              <a:t>urls</a:t>
+            </a:r>
+            <a:r>
+              <a:rPr lang="en-US" dirty="0" smtClean="0">
+                <a:solidFill>
+                  <a:schemeClr val="bg1"/>
+                </a:solidFill>
+              </a:rPr>
+              <a:t>)</a:t>
+            </a:r>
+            <a:endParaRPr lang="en-US" dirty="0">
+              <a:solidFill>
+                <a:schemeClr val="bg1"/>
+              </a:solidFill>
+            </a:endParaRPr>
+          </a:p>
+        </p:txBody>
+      </p:sp>
+      <p:sp>
+        <p:nvSpPr>
+          <p:cNvPr id="11" name="TextBox 10"/>
+          <p:cNvSpPr txBox="1"/>
+          <p:nvPr/>
+        </p:nvSpPr>
+        <p:spPr>
+          <a:xfrm>
+            <a:off x="7907628" y="2666743"/>
+            <a:ext cx="1902852" cy="1200329"/>
+          </a:xfrm>
+          <a:prstGeom prst="rect">
+            <a:avLst/>
+          </a:prstGeom>
+          <a:noFill/>
+        </p:spPr>
+        <p:txBody>
+          <a:bodyPr wrap="square" rtlCol="0">
+            <a:spAutoFit/>
+          </a:bodyPr>
+          <a:lstStyle/>
+          <a:p>
+            <a:r>
+              <a:rPr lang="en-US" dirty="0" err="1" smtClean="0">
+                <a:solidFill>
+                  <a:schemeClr val="bg1"/>
+                </a:solidFill>
+              </a:rPr>
+              <a:t>cleanedNewsURLS</a:t>
+            </a:r>
+            <a:r>
+              <a:rPr lang="en-US" dirty="0" smtClean="0">
+                <a:solidFill>
+                  <a:schemeClr val="bg1"/>
+                </a:solidFill>
+              </a:rPr>
+              <a:t> (filtered with 2016, distinct, </a:t>
+            </a:r>
+            <a:r>
+              <a:rPr lang="en-US" dirty="0" err="1" smtClean="0">
+                <a:solidFill>
+                  <a:schemeClr val="bg1"/>
+                </a:solidFill>
+              </a:rPr>
+              <a:t>stopwords</a:t>
+            </a:r>
+            <a:r>
+              <a:rPr lang="en-US" dirty="0" smtClean="0">
+                <a:solidFill>
+                  <a:schemeClr val="bg1"/>
+                </a:solidFill>
+              </a:rPr>
+              <a:t>)</a:t>
+            </a:r>
+            <a:endParaRPr lang="en-US" dirty="0">
+              <a:solidFill>
+                <a:schemeClr val="bg1"/>
+              </a:solidFill>
+            </a:endParaRPr>
+          </a:p>
+        </p:txBody>
+      </p:sp>
+      <p:cxnSp>
+        <p:nvCxnSpPr>
+          <p:cNvPr id="13" name="Straight Arrow Connector 12"/>
+          <p:cNvCxnSpPr/>
+          <p:nvPr/>
+        </p:nvCxnSpPr>
+        <p:spPr>
+          <a:xfrm>
+            <a:off x="2975020" y="3230860"/>
+            <a:ext cx="1435994" cy="0"/>
+          </a:xfrm>
+          <a:prstGeom prst="straightConnector1">
+            <a:avLst/>
+          </a:prstGeom>
+          <a:ln>
+            <a:tailEnd type="triangle"/>
+          </a:ln>
+        </p:spPr>
+        <p:style>
+          <a:lnRef idx="1">
+            <a:schemeClr val="accent1"/>
+          </a:lnRef>
+          <a:fillRef idx="0">
+            <a:schemeClr val="accent1"/>
+          </a:fillRef>
+          <a:effectRef idx="0">
+            <a:schemeClr val="accent1"/>
+          </a:effectRef>
+          <a:fontRef idx="minor">
+            <a:schemeClr val="tx1"/>
+          </a:fontRef>
+        </p:style>
+      </p:cxnSp>
+      <p:cxnSp>
+        <p:nvCxnSpPr>
+          <p:cNvPr id="15" name="Straight Arrow Connector 14"/>
+          <p:cNvCxnSpPr/>
+          <p:nvPr/>
+        </p:nvCxnSpPr>
+        <p:spPr>
+          <a:xfrm>
+            <a:off x="6639059" y="3263125"/>
+            <a:ext cx="1165538" cy="0"/>
+          </a:xfrm>
+          <a:prstGeom prst="straightConnector1">
+            <a:avLst/>
+          </a:prstGeom>
+          <a:ln>
+            <a:tailEnd type="triangle"/>
+          </a:ln>
+        </p:spPr>
+        <p:style>
+          <a:lnRef idx="1">
+            <a:schemeClr val="accent1"/>
+          </a:lnRef>
+          <a:fillRef idx="0">
+            <a:schemeClr val="accent1"/>
+          </a:fillRef>
+          <a:effectRef idx="0">
+            <a:schemeClr val="accent1"/>
+          </a:effectRef>
+          <a:fontRef idx="minor">
+            <a:schemeClr val="tx1"/>
+          </a:fontRef>
+        </p:style>
+      </p:cxnSp>
+      <p:sp>
+        <p:nvSpPr>
+          <p:cNvPr id="17" name="Rectangle 16"/>
+          <p:cNvSpPr/>
+          <p:nvPr/>
+        </p:nvSpPr>
+        <p:spPr>
+          <a:xfrm>
+            <a:off x="978794" y="4999061"/>
+            <a:ext cx="1978517" cy="1416676"/>
+          </a:xfrm>
+          <a:prstGeom prst="rect">
+            <a:avLst/>
+          </a:prstGeom>
+          <a:solidFill>
+            <a:schemeClr val="tx1"/>
+          </a:solidFill>
+        </p:spPr>
+        <p:style>
+          <a:lnRef idx="2">
+            <a:schemeClr val="accent1">
+              <a:shade val="50000"/>
+            </a:schemeClr>
+          </a:lnRef>
+          <a:fillRef idx="1">
+            <a:schemeClr val="accent1"/>
+          </a:fillRef>
+          <a:effectRef idx="0">
+            <a:schemeClr val="accent1"/>
+          </a:effectRef>
+          <a:fontRef idx="minor">
+            <a:schemeClr val="lt1"/>
+          </a:fontRef>
+        </p:style>
+        <p:txBody>
+          <a:bodyPr rtlCol="0" anchor="ctr"/>
+          <a:lstStyle/>
+          <a:p>
+            <a:pPr algn="ctr"/>
+            <a:endParaRPr lang="en-US"/>
+          </a:p>
+        </p:txBody>
+      </p:sp>
+      <p:sp>
+        <p:nvSpPr>
+          <p:cNvPr id="18" name="Rectangle 17"/>
+          <p:cNvSpPr/>
+          <p:nvPr/>
+        </p:nvSpPr>
+        <p:spPr>
+          <a:xfrm>
+            <a:off x="4411014" y="4971245"/>
+            <a:ext cx="2228045" cy="1455313"/>
+          </a:xfrm>
+          <a:prstGeom prst="rect">
+            <a:avLst/>
+          </a:prstGeom>
+          <a:solidFill>
+            <a:schemeClr val="tx1"/>
+          </a:solidFill>
+        </p:spPr>
+        <p:style>
+          <a:lnRef idx="2">
+            <a:schemeClr val="accent1">
+              <a:shade val="50000"/>
+            </a:schemeClr>
+          </a:lnRef>
+          <a:fillRef idx="1">
+            <a:schemeClr val="accent1"/>
+          </a:fillRef>
+          <a:effectRef idx="0">
+            <a:schemeClr val="accent1"/>
+          </a:effectRef>
+          <a:fontRef idx="minor">
+            <a:schemeClr val="lt1"/>
+          </a:fontRef>
+        </p:style>
+        <p:txBody>
+          <a:bodyPr rtlCol="0" anchor="ctr"/>
+          <a:lstStyle/>
+          <a:p>
+            <a:pPr algn="ctr"/>
+            <a:endParaRPr lang="en-US"/>
+          </a:p>
+        </p:txBody>
+      </p:sp>
+      <p:sp>
+        <p:nvSpPr>
+          <p:cNvPr id="19" name="Rectangle 18"/>
+          <p:cNvSpPr/>
+          <p:nvPr/>
+        </p:nvSpPr>
+        <p:spPr>
+          <a:xfrm>
+            <a:off x="7907628" y="4971245"/>
+            <a:ext cx="2150772" cy="1416676"/>
+          </a:xfrm>
+          <a:prstGeom prst="rect">
+            <a:avLst/>
+          </a:prstGeom>
+          <a:solidFill>
+            <a:schemeClr val="tx1"/>
+          </a:solidFill>
+        </p:spPr>
+        <p:style>
+          <a:lnRef idx="2">
+            <a:schemeClr val="accent1">
+              <a:shade val="50000"/>
+            </a:schemeClr>
+          </a:lnRef>
+          <a:fillRef idx="1">
+            <a:schemeClr val="accent1"/>
+          </a:fillRef>
+          <a:effectRef idx="0">
+            <a:schemeClr val="accent1"/>
+          </a:effectRef>
+          <a:fontRef idx="minor">
+            <a:schemeClr val="lt1"/>
+          </a:fontRef>
+        </p:style>
+        <p:txBody>
+          <a:bodyPr rtlCol="0" anchor="ctr"/>
+          <a:lstStyle/>
+          <a:p>
+            <a:pPr algn="ctr"/>
+            <a:endParaRPr lang="en-US"/>
+          </a:p>
+        </p:txBody>
+      </p:sp>
+      <p:sp>
+        <p:nvSpPr>
+          <p:cNvPr id="20" name="TextBox 19"/>
+          <p:cNvSpPr txBox="1"/>
+          <p:nvPr/>
+        </p:nvSpPr>
+        <p:spPr>
+          <a:xfrm>
+            <a:off x="8092762" y="5178622"/>
+            <a:ext cx="1849728" cy="646331"/>
+          </a:xfrm>
+          <a:prstGeom prst="rect">
+            <a:avLst/>
+          </a:prstGeom>
+          <a:noFill/>
+        </p:spPr>
+        <p:txBody>
+          <a:bodyPr wrap="square" rtlCol="0">
+            <a:spAutoFit/>
+          </a:bodyPr>
+          <a:lstStyle/>
+          <a:p>
+            <a:r>
+              <a:rPr lang="en-US" dirty="0" smtClean="0">
+                <a:solidFill>
+                  <a:schemeClr val="bg1"/>
+                </a:solidFill>
+              </a:rPr>
+              <a:t>Display some news to the user</a:t>
+            </a:r>
+            <a:endParaRPr lang="en-US" dirty="0">
+              <a:solidFill>
+                <a:schemeClr val="bg1"/>
+              </a:solidFill>
+            </a:endParaRPr>
+          </a:p>
+        </p:txBody>
+      </p:sp>
+      <p:sp>
+        <p:nvSpPr>
+          <p:cNvPr id="21" name="TextBox 20"/>
+          <p:cNvSpPr txBox="1"/>
+          <p:nvPr/>
+        </p:nvSpPr>
+        <p:spPr>
+          <a:xfrm>
+            <a:off x="4597757" y="5253519"/>
+            <a:ext cx="1815922" cy="646331"/>
+          </a:xfrm>
+          <a:prstGeom prst="rect">
+            <a:avLst/>
+          </a:prstGeom>
+          <a:noFill/>
+        </p:spPr>
+        <p:txBody>
+          <a:bodyPr wrap="square" rtlCol="0">
+            <a:spAutoFit/>
+          </a:bodyPr>
+          <a:lstStyle/>
+          <a:p>
+            <a:r>
+              <a:rPr lang="en-US" dirty="0" smtClean="0">
+                <a:solidFill>
+                  <a:schemeClr val="bg1"/>
+                </a:solidFill>
+              </a:rPr>
+              <a:t>Get interested URL from user</a:t>
+            </a:r>
+            <a:endParaRPr lang="en-US" dirty="0">
+              <a:solidFill>
+                <a:schemeClr val="bg1"/>
+              </a:solidFill>
+            </a:endParaRPr>
+          </a:p>
+        </p:txBody>
+      </p:sp>
+      <p:sp>
+        <p:nvSpPr>
+          <p:cNvPr id="22" name="TextBox 21"/>
+          <p:cNvSpPr txBox="1"/>
+          <p:nvPr/>
+        </p:nvSpPr>
+        <p:spPr>
+          <a:xfrm>
+            <a:off x="1120462" y="5253519"/>
+            <a:ext cx="1667009" cy="646331"/>
+          </a:xfrm>
+          <a:prstGeom prst="rect">
+            <a:avLst/>
+          </a:prstGeom>
+          <a:noFill/>
+        </p:spPr>
+        <p:txBody>
+          <a:bodyPr wrap="square" rtlCol="0">
+            <a:spAutoFit/>
+          </a:bodyPr>
+          <a:lstStyle/>
+          <a:p>
+            <a:r>
+              <a:rPr lang="en-US" dirty="0" smtClean="0">
+                <a:solidFill>
+                  <a:schemeClr val="bg1"/>
+                </a:solidFill>
+              </a:rPr>
+              <a:t>Display relevant news </a:t>
+            </a:r>
+            <a:endParaRPr lang="en-US" dirty="0">
+              <a:solidFill>
+                <a:schemeClr val="bg1"/>
+              </a:solidFill>
+            </a:endParaRPr>
+          </a:p>
+        </p:txBody>
+      </p:sp>
+      <p:cxnSp>
+        <p:nvCxnSpPr>
+          <p:cNvPr id="24" name="Straight Arrow Connector 23"/>
+          <p:cNvCxnSpPr>
+            <a:endCxn id="19" idx="0"/>
+          </p:cNvCxnSpPr>
+          <p:nvPr/>
+        </p:nvCxnSpPr>
+        <p:spPr>
+          <a:xfrm>
+            <a:off x="8983014" y="4203484"/>
+            <a:ext cx="0" cy="767761"/>
+          </a:xfrm>
+          <a:prstGeom prst="straightConnector1">
+            <a:avLst/>
+          </a:prstGeom>
+          <a:ln>
+            <a:tailEnd type="triangle"/>
+          </a:ln>
+        </p:spPr>
+        <p:style>
+          <a:lnRef idx="1">
+            <a:schemeClr val="accent1"/>
+          </a:lnRef>
+          <a:fillRef idx="0">
+            <a:schemeClr val="accent1"/>
+          </a:fillRef>
+          <a:effectRef idx="0">
+            <a:schemeClr val="accent1"/>
+          </a:effectRef>
+          <a:fontRef idx="minor">
+            <a:schemeClr val="tx1"/>
+          </a:fontRef>
+        </p:style>
+      </p:cxnSp>
+      <p:cxnSp>
+        <p:nvCxnSpPr>
+          <p:cNvPr id="26" name="Straight Arrow Connector 25"/>
+          <p:cNvCxnSpPr>
+            <a:stCxn id="19" idx="1"/>
+            <a:endCxn id="18" idx="3"/>
+          </p:cNvCxnSpPr>
+          <p:nvPr/>
+        </p:nvCxnSpPr>
+        <p:spPr>
+          <a:xfrm flipH="1">
+            <a:off x="6639059" y="5679583"/>
+            <a:ext cx="1268569" cy="19319"/>
+          </a:xfrm>
+          <a:prstGeom prst="straightConnector1">
+            <a:avLst/>
+          </a:prstGeom>
+          <a:ln>
+            <a:tailEnd type="triangle"/>
+          </a:ln>
+        </p:spPr>
+        <p:style>
+          <a:lnRef idx="1">
+            <a:schemeClr val="accent1"/>
+          </a:lnRef>
+          <a:fillRef idx="0">
+            <a:schemeClr val="accent1"/>
+          </a:fillRef>
+          <a:effectRef idx="0">
+            <a:schemeClr val="accent1"/>
+          </a:effectRef>
+          <a:fontRef idx="minor">
+            <a:schemeClr val="tx1"/>
+          </a:fontRef>
+        </p:style>
+      </p:cxnSp>
+      <p:cxnSp>
+        <p:nvCxnSpPr>
+          <p:cNvPr id="28" name="Straight Arrow Connector 27"/>
+          <p:cNvCxnSpPr>
+            <a:stCxn id="18" idx="1"/>
+            <a:endCxn id="17" idx="3"/>
+          </p:cNvCxnSpPr>
+          <p:nvPr/>
+        </p:nvCxnSpPr>
+        <p:spPr>
+          <a:xfrm flipH="1">
+            <a:off x="2957311" y="5698902"/>
+            <a:ext cx="1453703" cy="8497"/>
+          </a:xfrm>
+          <a:prstGeom prst="straightConnector1">
+            <a:avLst/>
+          </a:prstGeom>
+          <a:ln>
+            <a:tailEnd type="triangle"/>
+          </a:ln>
+        </p:spPr>
+        <p:style>
+          <a:lnRef idx="1">
+            <a:schemeClr val="accent1"/>
+          </a:lnRef>
+          <a:fillRef idx="0">
+            <a:schemeClr val="accent1"/>
+          </a:fillRef>
+          <a:effectRef idx="0">
+            <a:schemeClr val="accent1"/>
+          </a:effectRef>
+          <a:fontRef idx="minor">
+            <a:schemeClr val="tx1"/>
+          </a:fontRef>
+        </p:style>
+      </p:cxnSp>
+    </p:spTree>
+    <p:extLst>
+      <p:ext uri="{BB962C8B-B14F-4D97-AF65-F5344CB8AC3E}">
+        <p14:creationId xmlns:p14="http://schemas.microsoft.com/office/powerpoint/2010/main" val="3623575228"/>
+      </p:ext>
+    </p:extLst>
+  </p:cSld>
+  <p:clrMapOvr>
+    <a:masterClrMapping/>
+  </p:clrMapOvr>
+</p:sld>
+</file>
+
+<file path=ppt/slides/slide13.xml><?xml version="1.0" encoding="utf-8"?>
+<p:sld xmlns:a="http://schemas.openxmlformats.org/drawingml/2006/main" xmlns:r="http://schemas.openxmlformats.org/officeDocument/2006/relationships" xmlns:p="http://schemas.openxmlformats.org/presentationml/2006/main">
+  <p:cSld>
+    <p:spTree>
+      <p:nvGrpSpPr>
+        <p:cNvPr id="1" name=""/>
+        <p:cNvGrpSpPr/>
+        <p:nvPr/>
+      </p:nvGrpSpPr>
+      <p:grpSpPr>
+        <a:xfrm>
+          <a:off x="0" y="0"/>
+          <a:ext cx="0" cy="0"/>
+          <a:chOff x="0" y="0"/>
+          <a:chExt cx="0" cy="0"/>
+        </a:xfrm>
+      </p:grpSpPr>
+      <p:sp>
+        <p:nvSpPr>
+          <p:cNvPr id="2" name="Title 1"/>
+          <p:cNvSpPr>
+            <a:spLocks noGrp="1"/>
+          </p:cNvSpPr>
+          <p:nvPr>
+            <p:ph type="title"/>
+          </p:nvPr>
+        </p:nvSpPr>
+        <p:spPr/>
+        <p:txBody>
+          <a:bodyPr>
+            <a:normAutofit/>
+          </a:bodyPr>
+          <a:lstStyle/>
+          <a:p>
+            <a:r>
+              <a:rPr lang="en-US" sz="4800" dirty="0" smtClean="0"/>
+              <a:t>Acceptance Criteria</a:t>
+            </a:r>
+            <a:endParaRPr lang="en-US" sz="4800" dirty="0"/>
+          </a:p>
+        </p:txBody>
+      </p:sp>
+      <p:sp>
+        <p:nvSpPr>
+          <p:cNvPr id="3" name="Content Placeholder 2"/>
+          <p:cNvSpPr>
+            <a:spLocks noGrp="1"/>
+          </p:cNvSpPr>
+          <p:nvPr>
+            <p:ph idx="1"/>
+          </p:nvPr>
+        </p:nvSpPr>
+        <p:spPr/>
+        <p:txBody>
+          <a:bodyPr>
+            <a:normAutofit/>
+          </a:bodyPr>
+          <a:lstStyle/>
+          <a:p>
+            <a:r>
+              <a:rPr lang="en-US" sz="2800" dirty="0" smtClean="0"/>
+              <a:t>Generated 1700+ lines of URLS.</a:t>
+            </a:r>
+            <a:endParaRPr lang="en-US" sz="2800" dirty="0" smtClean="0"/>
+          </a:p>
+          <a:p>
+            <a:r>
+              <a:rPr lang="en-US" sz="2800" dirty="0" smtClean="0"/>
+              <a:t>Users will be shown news recommendation on his likes and dislikes ( trying to achieve a prediction rate of 0.60</a:t>
+            </a:r>
+            <a:r>
+              <a:rPr lang="en-US" sz="2800" dirty="0" smtClean="0"/>
+              <a:t>.)</a:t>
+            </a:r>
+            <a:endParaRPr lang="en-US" sz="2800" dirty="0" smtClean="0"/>
+          </a:p>
+        </p:txBody>
+      </p:sp>
+    </p:spTree>
+    <p:extLst>
+      <p:ext uri="{BB962C8B-B14F-4D97-AF65-F5344CB8AC3E}">
+        <p14:creationId xmlns:p14="http://schemas.microsoft.com/office/powerpoint/2010/main" val="309275568"/>
+      </p:ext>
+    </p:extLst>
+  </p:cSld>
+  <p:clrMapOvr>
+    <a:masterClrMapping/>
+  </p:clrMapOvr>
+  <p:timing>
+    <p:tnLst>
+      <p:par>
+        <p:cTn id="1" dur="indefinite" restart="never" nodeType="tmRoot"/>
+      </p:par>
+    </p:tnLst>
+  </p:timing>
+</p:sld>
+</file>
+
+<file path=ppt/slides/slide14.xml><?xml version="1.0" encoding="utf-8"?>
+<p:sld xmlns:a="http://schemas.openxmlformats.org/drawingml/2006/main" xmlns:r="http://schemas.openxmlformats.org/officeDocument/2006/relationships" xmlns:p="http://schemas.openxmlformats.org/presentationml/2006/main">
+  <p:cSld>
+    <p:spTree>
+      <p:nvGrpSpPr>
+        <p:cNvPr id="1" name=""/>
+        <p:cNvGrpSpPr/>
+        <p:nvPr/>
+      </p:nvGrpSpPr>
+      <p:grpSpPr>
+        <a:xfrm>
+          <a:off x="0" y="0"/>
+          <a:ext cx="0" cy="0"/>
+          <a:chOff x="0" y="0"/>
+          <a:chExt cx="0" cy="0"/>
+        </a:xfrm>
+      </p:grpSpPr>
+      <p:sp>
+        <p:nvSpPr>
+          <p:cNvPr id="2" name="Title 1"/>
+          <p:cNvSpPr>
+            <a:spLocks noGrp="1"/>
+          </p:cNvSpPr>
+          <p:nvPr>
+            <p:ph type="title"/>
+          </p:nvPr>
+        </p:nvSpPr>
+        <p:spPr/>
+        <p:txBody>
+          <a:bodyPr/>
+          <a:lstStyle/>
+          <a:p>
+            <a:r>
+              <a:rPr lang="en-US" dirty="0" smtClean="0"/>
+              <a:t>Meeting the deadline</a:t>
+            </a:r>
+            <a:endParaRPr lang="en-US" dirty="0"/>
+          </a:p>
+        </p:txBody>
+      </p:sp>
+      <p:sp>
+        <p:nvSpPr>
+          <p:cNvPr id="3" name="Content Placeholder 2"/>
+          <p:cNvSpPr>
+            <a:spLocks noGrp="1"/>
+          </p:cNvSpPr>
+          <p:nvPr>
+            <p:ph idx="1"/>
+          </p:nvPr>
+        </p:nvSpPr>
+        <p:spPr/>
+        <p:txBody>
+          <a:bodyPr>
+            <a:normAutofit/>
+          </a:bodyPr>
+          <a:lstStyle/>
+          <a:p>
+            <a:pPr marL="0" indent="0">
+              <a:buNone/>
+            </a:pPr>
+            <a:r>
+              <a:rPr lang="en-US" dirty="0" smtClean="0"/>
+              <a:t>Tasks completed: </a:t>
+            </a:r>
+          </a:p>
+          <a:p>
+            <a:r>
+              <a:rPr lang="en-US" dirty="0" smtClean="0"/>
+              <a:t>Web crawler news URL</a:t>
+            </a:r>
+          </a:p>
+          <a:p>
+            <a:r>
+              <a:rPr lang="en-US" dirty="0" smtClean="0"/>
+              <a:t>Filtering Data</a:t>
+            </a:r>
+          </a:p>
+          <a:p>
+            <a:r>
+              <a:rPr lang="en-US" dirty="0" smtClean="0"/>
+              <a:t>Showing relevant URLS to the user</a:t>
+            </a:r>
+          </a:p>
+          <a:p>
+            <a:endParaRPr lang="en-US" dirty="0"/>
+          </a:p>
+          <a:p>
+            <a:pPr marL="0" indent="0">
+              <a:buNone/>
+            </a:pPr>
+            <a:r>
+              <a:rPr lang="en-US" dirty="0" smtClean="0"/>
+              <a:t>Tasks not completed</a:t>
+            </a:r>
+          </a:p>
+          <a:p>
+            <a:r>
+              <a:rPr lang="en-US" dirty="0" smtClean="0"/>
+              <a:t>Developing UI</a:t>
+            </a:r>
+          </a:p>
+          <a:p>
+            <a:r>
+              <a:rPr lang="en-US" dirty="0" smtClean="0"/>
+              <a:t>Multiuser application</a:t>
+            </a:r>
+          </a:p>
+          <a:p>
+            <a:r>
+              <a:rPr lang="en-US" dirty="0" smtClean="0"/>
+              <a:t>Generating reports</a:t>
+            </a:r>
+            <a:endParaRPr lang="en-US" dirty="0"/>
+          </a:p>
+        </p:txBody>
+      </p:sp>
+    </p:spTree>
+    <p:extLst>
+      <p:ext uri="{BB962C8B-B14F-4D97-AF65-F5344CB8AC3E}">
+        <p14:creationId xmlns:p14="http://schemas.microsoft.com/office/powerpoint/2010/main" val="2315605624"/>
+      </p:ext>
+    </p:extLst>
+  </p:cSld>
+  <p:clrMapOvr>
+    <a:masterClrMapping/>
+  </p:clrMapOvr>
+</p:sld>
+</file>
+
+<file path=ppt/slides/slide15.xml><?xml version="1.0" encoding="utf-8"?>
+<p:sld xmlns:a="http://schemas.openxmlformats.org/drawingml/2006/main" xmlns:r="http://schemas.openxmlformats.org/officeDocument/2006/relationships" xmlns:p="http://schemas.openxmlformats.org/presentationml/2006/main">
+  <p:cSld>
+    <p:spTree>
+      <p:nvGrpSpPr>
+        <p:cNvPr id="1" name=""/>
+        <p:cNvGrpSpPr/>
+        <p:nvPr/>
+      </p:nvGrpSpPr>
+      <p:grpSpPr>
+        <a:xfrm>
+          <a:off x="0" y="0"/>
+          <a:ext cx="0" cy="0"/>
+          <a:chOff x="0" y="0"/>
+          <a:chExt cx="0" cy="0"/>
+        </a:xfrm>
+      </p:grpSpPr>
+      <p:sp>
+        <p:nvSpPr>
+          <p:cNvPr id="2" name="Title 1"/>
+          <p:cNvSpPr>
+            <a:spLocks noGrp="1"/>
+          </p:cNvSpPr>
+          <p:nvPr>
+            <p:ph type="title"/>
+          </p:nvPr>
+        </p:nvSpPr>
+        <p:spPr/>
+        <p:txBody>
+          <a:bodyPr/>
+          <a:lstStyle/>
+          <a:p>
+            <a:r>
+              <a:rPr lang="en-US" dirty="0" smtClean="0"/>
+              <a:t>Web crawled </a:t>
+            </a:r>
+            <a:r>
+              <a:rPr lang="en-US" dirty="0" err="1" smtClean="0"/>
+              <a:t>urls</a:t>
+            </a:r>
+            <a:endParaRPr lang="en-US" dirty="0"/>
+          </a:p>
+        </p:txBody>
+      </p:sp>
+      <p:pic>
+        <p:nvPicPr>
+          <p:cNvPr id="4" name="Content Placeholder 3"/>
+          <p:cNvPicPr>
+            <a:picLocks noGrp="1" noChangeAspect="1"/>
+          </p:cNvPicPr>
+          <p:nvPr>
+            <p:ph idx="1"/>
+          </p:nvPr>
+        </p:nvPicPr>
+        <p:blipFill>
+          <a:blip r:embed="rId2">
+            <a:extLst>
+              <a:ext uri="{28A0092B-C50C-407E-A947-70E740481C1C}">
+                <a14:useLocalDpi xmlns:a14="http://schemas.microsoft.com/office/drawing/2010/main" val="0"/>
+              </a:ext>
+            </a:extLst>
+          </a:blip>
+          <a:stretch>
+            <a:fillRect/>
+          </a:stretch>
+        </p:blipFill>
+        <p:spPr>
+          <a:xfrm>
+            <a:off x="566670" y="2141537"/>
+            <a:ext cx="10481197" cy="4562739"/>
+          </a:xfrm>
+        </p:spPr>
+      </p:pic>
+    </p:spTree>
+    <p:extLst>
+      <p:ext uri="{BB962C8B-B14F-4D97-AF65-F5344CB8AC3E}">
+        <p14:creationId xmlns:p14="http://schemas.microsoft.com/office/powerpoint/2010/main" val="2207105554"/>
+      </p:ext>
+    </p:extLst>
+  </p:cSld>
+  <p:clrMapOvr>
+    <a:masterClrMapping/>
+  </p:clrMapOvr>
+</p:sld>
+</file>
+
+<file path=ppt/slides/slide16.xml><?xml version="1.0" encoding="utf-8"?>
+<p:sld xmlns:a="http://schemas.openxmlformats.org/drawingml/2006/main" xmlns:r="http://schemas.openxmlformats.org/officeDocument/2006/relationships" xmlns:p="http://schemas.openxmlformats.org/presentationml/2006/main">
+  <p:cSld>
+    <p:spTree>
+      <p:nvGrpSpPr>
+        <p:cNvPr id="1" name=""/>
+        <p:cNvGrpSpPr/>
+        <p:nvPr/>
+      </p:nvGrpSpPr>
+      <p:grpSpPr>
+        <a:xfrm>
+          <a:off x="0" y="0"/>
+          <a:ext cx="0" cy="0"/>
+          <a:chOff x="0" y="0"/>
+          <a:chExt cx="0" cy="0"/>
+        </a:xfrm>
+      </p:grpSpPr>
+      <p:sp>
+        <p:nvSpPr>
+          <p:cNvPr id="2" name="Title 1"/>
+          <p:cNvSpPr>
+            <a:spLocks noGrp="1"/>
+          </p:cNvSpPr>
+          <p:nvPr>
+            <p:ph type="title"/>
+          </p:nvPr>
+        </p:nvSpPr>
+        <p:spPr/>
+        <p:txBody>
+          <a:bodyPr/>
+          <a:lstStyle/>
+          <a:p>
+            <a:r>
+              <a:rPr lang="en-US" dirty="0" smtClean="0"/>
+              <a:t>Cleaned meaningful data</a:t>
+            </a:r>
+            <a:endParaRPr lang="en-US" dirty="0"/>
+          </a:p>
+        </p:txBody>
+      </p:sp>
+      <p:pic>
+        <p:nvPicPr>
+          <p:cNvPr id="4" name="Content Placeholder 3"/>
+          <p:cNvPicPr>
+            <a:picLocks noGrp="1" noChangeAspect="1"/>
+          </p:cNvPicPr>
+          <p:nvPr>
+            <p:ph idx="1"/>
+          </p:nvPr>
+        </p:nvPicPr>
+        <p:blipFill>
+          <a:blip r:embed="rId2">
+            <a:extLst>
+              <a:ext uri="{28A0092B-C50C-407E-A947-70E740481C1C}">
+                <a14:useLocalDpi xmlns:a14="http://schemas.microsoft.com/office/drawing/2010/main" val="0"/>
+              </a:ext>
+            </a:extLst>
+          </a:blip>
+          <a:stretch>
+            <a:fillRect/>
+          </a:stretch>
+        </p:blipFill>
+        <p:spPr>
+          <a:xfrm>
+            <a:off x="437882" y="2141537"/>
+            <a:ext cx="11558448" cy="4172133"/>
+          </a:xfrm>
+        </p:spPr>
+      </p:pic>
+    </p:spTree>
+    <p:extLst>
+      <p:ext uri="{BB962C8B-B14F-4D97-AF65-F5344CB8AC3E}">
+        <p14:creationId xmlns:p14="http://schemas.microsoft.com/office/powerpoint/2010/main" val="306136045"/>
+      </p:ext>
+    </p:extLst>
+  </p:cSld>
+  <p:clrMapOvr>
+    <a:masterClrMapping/>
+  </p:clrMapOvr>
+</p:sld>
+</file>
+
+<file path=ppt/slides/slide17.xml><?xml version="1.0" encoding="utf-8"?>
+<p:sld xmlns:a="http://schemas.openxmlformats.org/drawingml/2006/main" xmlns:r="http://schemas.openxmlformats.org/officeDocument/2006/relationships" xmlns:p="http://schemas.openxmlformats.org/presentationml/2006/main">
+  <p:cSld>
+    <p:spTree>
+      <p:nvGrpSpPr>
+        <p:cNvPr id="1" name=""/>
+        <p:cNvGrpSpPr/>
+        <p:nvPr/>
+      </p:nvGrpSpPr>
+      <p:grpSpPr>
+        <a:xfrm>
+          <a:off x="0" y="0"/>
+          <a:ext cx="0" cy="0"/>
+          <a:chOff x="0" y="0"/>
+          <a:chExt cx="0" cy="0"/>
+        </a:xfrm>
+      </p:grpSpPr>
+      <p:sp>
+        <p:nvSpPr>
+          <p:cNvPr id="2" name="Title 1"/>
+          <p:cNvSpPr>
+            <a:spLocks noGrp="1"/>
+          </p:cNvSpPr>
+          <p:nvPr>
+            <p:ph type="title"/>
+          </p:nvPr>
+        </p:nvSpPr>
+        <p:spPr>
+          <a:xfrm>
+            <a:off x="2229930" y="2757578"/>
+            <a:ext cx="10131425" cy="1456267"/>
+          </a:xfrm>
+        </p:spPr>
+        <p:txBody>
+          <a:bodyPr/>
+          <a:lstStyle/>
+          <a:p>
+            <a:r>
+              <a:rPr lang="en-US" dirty="0" smtClean="0"/>
+              <a:t>Thank You!</a:t>
+            </a:r>
+            <a:endParaRPr lang="en-US" dirty="0"/>
+          </a:p>
+        </p:txBody>
+      </p:sp>
+    </p:spTree>
+    <p:extLst>
+      <p:ext uri="{BB962C8B-B14F-4D97-AF65-F5344CB8AC3E}">
+        <p14:creationId xmlns:p14="http://schemas.microsoft.com/office/powerpoint/2010/main" val="453853354"/>
+      </p:ext>
+    </p:extLst>
+  </p:cSld>
+  <p:clrMapOvr>
+    <a:masterClrMapping/>
+  </p:clrMapOvr>
+  <p:timing>
+    <p:tnLst>
+      <p:par>
+        <p:cTn id="1" dur="indefinite" restart="never" nodeType="tmRoot"/>
+      </p:par>
+    </p:tnLst>
+  </p:timing>
+</p:sld>
+</file>
+
 <file path=ppt/slides/slide2.xml><?xml version="1.0" encoding="utf-8"?>
 <p:sld xmlns:a="http://schemas.openxmlformats.org/drawingml/2006/main" xmlns:r="http://schemas.openxmlformats.org/officeDocument/2006/relationships" xmlns:p="http://schemas.openxmlformats.org/presentationml/2006/main">
   <p:cSld>
@@ -5945,35 +7423,10 @@
             <p:ph type="title"/>
           </p:nvPr>
         </p:nvSpPr>
-        <p:spPr/>
-        <p:txBody>
-          <a:bodyPr>
-            <a:normAutofit/>
-          </a:bodyPr>
-          <a:lstStyle/>
-          <a:p>
-            <a:r>
-              <a:rPr lang="en-US" sz="4800" dirty="0" smtClean="0"/>
-              <a:t>Goals of the project</a:t>
-            </a:r>
-            <a:endParaRPr lang="en-US" sz="4800" dirty="0"/>
-          </a:p>
-        </p:txBody>
-      </p:sp>
-      <p:sp>
-        <p:nvSpPr>
-          <p:cNvPr id="3" name="Content Placeholder 2"/>
-          <p:cNvSpPr>
-            <a:spLocks noGrp="1"/>
-          </p:cNvSpPr>
-          <p:nvPr>
-            <p:ph idx="1"/>
-          </p:nvPr>
-        </p:nvSpPr>
         <p:spPr>
           <a:xfrm>
-            <a:off x="685801" y="2142067"/>
-            <a:ext cx="10563044" cy="4181095"/>
+            <a:off x="1084867" y="2550017"/>
+            <a:ext cx="10131425" cy="1456267"/>
           </a:xfrm>
         </p:spPr>
         <p:txBody>
@@ -5982,100 +7435,57 @@
           </a:bodyPr>
           <a:lstStyle/>
           <a:p>
-            <a:pPr marL="0" indent="0">
-              <a:buNone/>
-            </a:pPr>
-            <a:r>
-              <a:rPr lang="en-US" sz="1600" dirty="0" smtClean="0"/>
-              <a:t>News analytics refers to making analysis of the daily news to categorize into some insightful data. Being</a:t>
-            </a:r>
-          </a:p>
-          <a:p>
-            <a:pPr marL="0" indent="0">
-              <a:buNone/>
-            </a:pPr>
-            <a:r>
-              <a:rPr lang="en-US" sz="1600" dirty="0" smtClean="0"/>
-              <a:t>able to express news stories as numbers permits the manipulation of everyday information in a statistical </a:t>
-            </a:r>
-          </a:p>
-          <a:p>
-            <a:pPr marL="0" indent="0">
-              <a:buNone/>
-            </a:pPr>
-            <a:r>
-              <a:rPr lang="en-US" sz="1600" dirty="0" smtClean="0"/>
-              <a:t>way that allows computers not only to make decisions once made only by humans, but to do so more </a:t>
-            </a:r>
-          </a:p>
-          <a:p>
-            <a:pPr marL="0" indent="0">
-              <a:buNone/>
-            </a:pPr>
-            <a:r>
-              <a:rPr lang="en-US" sz="1600" dirty="0" smtClean="0"/>
-              <a:t>efficiently. We intend to use Spark, clustering algorithms to reach the result. This project aims to:</a:t>
-            </a:r>
-          </a:p>
-          <a:p>
-            <a:endParaRPr lang="en-US" sz="1600" dirty="0" smtClean="0"/>
-          </a:p>
-          <a:p>
-            <a:r>
-              <a:rPr lang="en-US" sz="1600" dirty="0" smtClean="0"/>
-              <a:t>Develop UI for news portal </a:t>
-            </a:r>
-          </a:p>
-          <a:p>
-            <a:pPr marL="0" indent="0">
-              <a:buNone/>
-            </a:pPr>
-            <a:endParaRPr lang="en-US" sz="1600" dirty="0" smtClean="0"/>
-          </a:p>
-          <a:p>
-            <a:r>
-              <a:rPr lang="en-US" sz="1600" dirty="0" smtClean="0"/>
-              <a:t>Track and analyze news with interactive real time visualizations. </a:t>
-            </a:r>
-          </a:p>
-          <a:p>
-            <a:endParaRPr lang="en-US" sz="1600" dirty="0" smtClean="0"/>
-          </a:p>
-          <a:p>
-            <a:r>
-              <a:rPr lang="en-US" sz="1600" dirty="0" smtClean="0"/>
-              <a:t>Filter and display news analytics based on different criteria.</a:t>
-            </a:r>
-          </a:p>
-          <a:p>
-            <a:endParaRPr lang="en-US" sz="1600" dirty="0" smtClean="0"/>
-          </a:p>
-          <a:p>
-            <a:r>
-              <a:rPr lang="en-US" sz="1600" dirty="0" smtClean="0"/>
-              <a:t>Spot hidden patterns and trends in masses of news information.</a:t>
-            </a:r>
-            <a:endParaRPr lang="en-US" sz="1600" dirty="0"/>
+            <a:r>
+              <a:rPr lang="en-US" sz="4800" dirty="0"/>
+              <a:t>Are you ready </a:t>
+            </a:r>
+            <a:r>
+              <a:rPr lang="en-US" sz="4800"/>
+              <a:t>to </a:t>
+            </a:r>
+            <a:r>
+              <a:rPr lang="en-US" sz="4800" smtClean="0"/>
+              <a:t>read </a:t>
+            </a:r>
+            <a:r>
+              <a:rPr lang="en-US" sz="4800" dirty="0"/>
+              <a:t>RELEVANT NEWS </a:t>
+            </a:r>
+            <a:r>
+              <a:rPr lang="en-US" sz="4800" dirty="0" smtClean="0"/>
+              <a:t>?</a:t>
+            </a:r>
+            <a:br>
+              <a:rPr lang="en-US" sz="4800" dirty="0" smtClean="0"/>
+            </a:br>
+            <a:r>
+              <a:rPr lang="en-US" sz="2400" dirty="0"/>
+              <a:t>Here is how News Analytics can help you</a:t>
+            </a:r>
+            <a:br>
+              <a:rPr lang="en-US" sz="2400" dirty="0"/>
+            </a:br>
+            <a:r>
+              <a:rPr lang="en-US" sz="4800" dirty="0"/>
+              <a:t/>
+            </a:r>
+            <a:br>
+              <a:rPr lang="en-US" sz="4800" dirty="0"/>
+            </a:br>
+            <a:endParaRPr lang="en-US" sz="1800" dirty="0"/>
           </a:p>
         </p:txBody>
       </p:sp>
     </p:spTree>
     <p:extLst>
       <p:ext uri="{BB962C8B-B14F-4D97-AF65-F5344CB8AC3E}">
-        <p14:creationId xmlns:p14="http://schemas.microsoft.com/office/powerpoint/2010/main" val="274904722"/>
+        <p14:creationId xmlns:p14="http://schemas.microsoft.com/office/powerpoint/2010/main" val="3879208422"/>
       </p:ext>
     </p:extLst>
   </p:cSld>
   <p:clrMapOvr>
     <a:masterClrMapping/>
   </p:clrMapOvr>
-  <p:timing>
-    <p:tnLst>
-      <p:par>
-        <p:cTn id="1" dur="indefinite" restart="never" nodeType="tmRoot"/>
-      </p:par>
-    </p:tnLst>
-  </p:timing>
 </p:sld>
 </file>
 
@@ -6115,7 +7525,7 @@
           <a:p>
             <a:r>
               <a:rPr lang="en-US" sz="4800" dirty="0" smtClean="0"/>
-              <a:t>Methodology</a:t>
+              <a:t>Goals of the project</a:t>
             </a:r>
             <a:endParaRPr lang="en-US" sz="4800" dirty="0"/>
           </a:p>
@@ -6131,62 +7541,92 @@
             <p:ph idx="1"/>
           </p:nvPr>
         </p:nvSpPr>
-        <p:spPr/>
+        <p:spPr>
+          <a:xfrm>
+            <a:off x="685801" y="2142067"/>
+            <a:ext cx="10563044" cy="4181095"/>
+          </a:xfrm>
+        </p:spPr>
         <p:txBody>
           <a:bodyPr>
-            <a:normAutofit/>
+            <a:noAutofit/>
           </a:bodyPr>
           <a:lstStyle/>
           <a:p>
-            <a:r>
-              <a:rPr lang="en-US" sz="2800" dirty="0" smtClean="0"/>
-              <a:t>Tools : Spark </a:t>
-            </a:r>
-            <a:r>
-              <a:rPr lang="en-US" sz="2800" dirty="0" err="1" smtClean="0"/>
-              <a:t>MLlib</a:t>
-            </a:r>
-            <a:endParaRPr lang="en-US" sz="2800" dirty="0" smtClean="0"/>
-          </a:p>
-          <a:p>
-            <a:r>
-              <a:rPr lang="en-US" sz="2800" dirty="0"/>
-              <a:t>Algorithm: Clustering algorithms K </a:t>
-            </a:r>
-            <a:r>
-              <a:rPr lang="en-US" sz="2800" dirty="0" smtClean="0"/>
-              <a:t>Means</a:t>
-            </a:r>
-          </a:p>
-          <a:p>
-            <a:r>
-              <a:rPr lang="en-US" sz="2800" dirty="0" smtClean="0"/>
-              <a:t>Front – end technologies: Bootstrap,HTML5,CSS3</a:t>
-            </a:r>
-          </a:p>
-          <a:p>
-            <a:r>
-              <a:rPr lang="en-US" sz="2800" dirty="0"/>
-              <a:t>Database (</a:t>
-            </a:r>
-            <a:r>
-              <a:rPr lang="en-US" sz="2800" dirty="0" smtClean="0"/>
-              <a:t>MongoDB/ </a:t>
-            </a:r>
-            <a:r>
-              <a:rPr lang="en-US" sz="2800" dirty="0"/>
-              <a:t>Cassandra)</a:t>
-            </a:r>
-          </a:p>
-          <a:p>
-            <a:endParaRPr lang="en-US" sz="2800" dirty="0"/>
+            <a:pPr marL="0" indent="0">
+              <a:buNone/>
+            </a:pPr>
+            <a:r>
+              <a:rPr lang="en-US" dirty="0" smtClean="0"/>
+              <a:t>News analytics refers to making analysis of the daily news to categorize into some insightful data. Being</a:t>
+            </a:r>
+          </a:p>
+          <a:p>
+            <a:pPr marL="0" indent="0">
+              <a:buNone/>
+            </a:pPr>
+            <a:r>
+              <a:rPr lang="en-US" dirty="0" smtClean="0"/>
+              <a:t>able to express news stories as numbers permits the manipulation of everyday information in a statistical </a:t>
+            </a:r>
+          </a:p>
+          <a:p>
+            <a:pPr marL="0" indent="0">
+              <a:buNone/>
+            </a:pPr>
+            <a:r>
+              <a:rPr lang="en-US" dirty="0" smtClean="0"/>
+              <a:t>way that allows computers not only to make decisions once made only by humans, but to do so more </a:t>
+            </a:r>
+          </a:p>
+          <a:p>
+            <a:pPr marL="0" indent="0">
+              <a:buNone/>
+            </a:pPr>
+            <a:r>
+              <a:rPr lang="en-US" dirty="0" smtClean="0"/>
+              <a:t>efficiently. We intend to use Spark, clustering algorithms to reach the result. This project aims to:</a:t>
+            </a:r>
+          </a:p>
+          <a:p>
+            <a:endParaRPr lang="en-US" dirty="0" smtClean="0"/>
+          </a:p>
+          <a:p>
+            <a:r>
+              <a:rPr lang="en-US" dirty="0" smtClean="0"/>
+              <a:t>Develop UI for news portal </a:t>
+            </a:r>
+          </a:p>
+          <a:p>
+            <a:r>
+              <a:rPr lang="en-US" dirty="0" smtClean="0"/>
+              <a:t>Track and analyze news with interactive real time visualizations. </a:t>
+            </a:r>
+          </a:p>
+          <a:p>
+            <a:r>
+              <a:rPr lang="en-US" dirty="0" smtClean="0"/>
+              <a:t>Filter and display news analytics based on different criteria</a:t>
+            </a:r>
+            <a:r>
+              <a:rPr lang="en-US" dirty="0" smtClean="0"/>
+              <a:t>.</a:t>
+            </a:r>
+            <a:endParaRPr lang="en-US" dirty="0" smtClean="0"/>
+          </a:p>
+          <a:p>
+            <a:r>
+              <a:rPr lang="en-US" dirty="0" smtClean="0"/>
+              <a:t>Spot hidden patterns and trends in masses of news information.</a:t>
+            </a:r>
+            <a:endParaRPr lang="en-US" dirty="0"/>
           </a:p>
         </p:txBody>
       </p:sp>
     </p:spTree>
     <p:extLst>
       <p:ext uri="{BB962C8B-B14F-4D97-AF65-F5344CB8AC3E}">
-        <p14:creationId xmlns:p14="http://schemas.microsoft.com/office/powerpoint/2010/main" val="2458263964"/>
+        <p14:creationId xmlns:p14="http://schemas.microsoft.com/office/powerpoint/2010/main" val="274904722"/>
       </p:ext>
     </p:extLst>
   </p:cSld>
@@ -6239,7 +7679,7 @@
           <a:p>
             <a:r>
               <a:rPr lang="en-US" sz="4800" dirty="0" smtClean="0"/>
-              <a:t>Data Sources</a:t>
+              <a:t>Key Milestones in the project</a:t>
             </a:r>
             <a:endParaRPr lang="en-US" sz="4800" dirty="0"/>
           </a:p>
@@ -6261,34 +7701,73 @@
           <a:lstStyle/>
           <a:p>
             <a:r>
-              <a:rPr lang="en-US" sz="2800" dirty="0"/>
-              <a:t>Generated by web crawling different </a:t>
-            </a:r>
-            <a:r>
-              <a:rPr lang="en-US" sz="2800" dirty="0" smtClean="0"/>
-              <a:t>News websites</a:t>
-            </a:r>
-            <a:r>
-              <a:rPr lang="en-US" sz="2800" dirty="0"/>
-              <a:t> </a:t>
-            </a:r>
-            <a:r>
-              <a:rPr lang="en-US" sz="2800" dirty="0" smtClean="0"/>
-              <a:t>or using dataset </a:t>
-            </a:r>
-            <a:r>
-              <a:rPr lang="en-US" sz="2800" dirty="0"/>
-              <a:t>from http://research.signalmedia.co/newsir16/signal-dataset.html</a:t>
-            </a:r>
-            <a:endParaRPr lang="en-US" sz="2800" dirty="0" smtClean="0"/>
-          </a:p>
-          <a:p>
-            <a:pPr marL="0" indent="0">
-              <a:buNone/>
-            </a:pPr>
-            <a:endParaRPr lang="en-US" sz="2800" dirty="0"/>
-          </a:p>
-          <a:p>
+              <a:rPr lang="en-US" dirty="0" smtClean="0"/>
+              <a:t>Step 1: Research on finding out news patterns</a:t>
+            </a:r>
+          </a:p>
+          <a:p>
+            <a:r>
+              <a:rPr lang="en-US" dirty="0" smtClean="0"/>
+              <a:t>Step 1: Develop WebCrawler </a:t>
+            </a:r>
+            <a:endParaRPr lang="en-US" dirty="0"/>
+          </a:p>
+          <a:p>
+            <a:r>
+              <a:rPr lang="en-US" dirty="0" smtClean="0"/>
+              <a:t>Step 2: Filtering data generated </a:t>
+            </a:r>
+          </a:p>
+          <a:p>
+            <a:r>
+              <a:rPr lang="en-US" dirty="0" smtClean="0"/>
+              <a:t>Step 3:  Separating data into words, text and </a:t>
+            </a:r>
+            <a:r>
+              <a:rPr lang="en-US" dirty="0" err="1" smtClean="0"/>
+              <a:t>url</a:t>
+            </a:r>
+            <a:endParaRPr lang="en-US" dirty="0" smtClean="0"/>
+          </a:p>
+          <a:p>
+            <a:r>
+              <a:rPr lang="en-US" dirty="0" smtClean="0"/>
+              <a:t>Step 4: Saving in a text file with filtered – relevant, distinct, </a:t>
+            </a:r>
+            <a:r>
+              <a:rPr lang="en-US" dirty="0" err="1" smtClean="0"/>
+              <a:t>stopwords</a:t>
+            </a:r>
+            <a:r>
+              <a:rPr lang="en-US" dirty="0" smtClean="0"/>
+              <a:t> removed</a:t>
+            </a:r>
+          </a:p>
+          <a:p>
+            <a:r>
+              <a:rPr lang="en-US" dirty="0" smtClean="0"/>
+              <a:t>Step 5: Displaying news to the user allowing him to select his interested news</a:t>
+            </a:r>
+          </a:p>
+          <a:p>
+            <a:r>
+              <a:rPr lang="en-US" dirty="0" smtClean="0"/>
+              <a:t>Step 6: Finding out the word generated from the interested news and showing the user news </a:t>
+            </a:r>
+            <a:r>
+              <a:rPr lang="en-US" dirty="0" err="1" smtClean="0"/>
+              <a:t>urls</a:t>
+            </a:r>
+            <a:r>
+              <a:rPr lang="en-US" dirty="0" smtClean="0"/>
+              <a:t> with the word contained in it</a:t>
+            </a:r>
+          </a:p>
+          <a:p>
+            <a:r>
+              <a:rPr lang="en-US" dirty="0" smtClean="0"/>
+              <a:t>Step 7: Developing Test Cases</a:t>
+            </a:r>
             <a:endParaRPr lang="en-US" dirty="0"/>
           </a:p>
         </p:txBody>
@@ -6296,20 +7775,13 @@
     </p:spTree>
     <p:extLst>
       <p:ext uri="{BB962C8B-B14F-4D97-AF65-F5344CB8AC3E}">
-        <p14:creationId xmlns:p14="http://schemas.microsoft.com/office/powerpoint/2010/main" val="1274787746"/>
+        <p14:creationId xmlns:p14="http://schemas.microsoft.com/office/powerpoint/2010/main" val="175780906"/>
       </p:ext>
     </p:extLst>
   </p:cSld>
   <p:clrMapOvr>
     <a:masterClrMapping/>
   </p:clrMapOvr>
-  <p:timing>
-    <p:tnLst>
-      <p:par>
-        <p:cTn id="1" dur="indefinite" restart="never" nodeType="tmRoot"/>
-      </p:par>
-    </p:tnLst>
-  </p:timing>
 </p:sld>
 </file>
 
@@ -6349,7 +7821,7 @@
           <a:p>
             <a:r>
               <a:rPr lang="en-US" sz="4800" dirty="0" smtClean="0"/>
-              <a:t>Milestones</a:t>
+              <a:t>What tools were used?</a:t>
             </a:r>
             <a:endParaRPr lang="en-US" sz="4800" dirty="0"/>
           </a:p>
@@ -6368,154 +7840,39 @@
         <p:spPr/>
         <p:txBody>
           <a:bodyPr>
-            <a:normAutofit fontScale="47500" lnSpcReduction="20000"/>
+            <a:normAutofit/>
           </a:bodyPr>
           <a:lstStyle/>
           <a:p>
             <a:r>
               <a:rPr lang="en-US" sz="2800" dirty="0" smtClean="0"/>
-              <a:t>Stage 1 </a:t>
-            </a:r>
-            <a:r>
-              <a:rPr lang="en-US" sz="2800" dirty="0"/>
-              <a:t>: </a:t>
-            </a:r>
+              <a:t>IDE : IntelliJ</a:t>
+            </a:r>
+          </a:p>
+          <a:p>
             <a:r>
               <a:rPr lang="en-US" sz="2800" dirty="0" smtClean="0"/>
-              <a:t>													31 </a:t>
-            </a:r>
-            <a:r>
-              <a:rPr lang="en-US" sz="2800" dirty="0"/>
-              <a:t>March </a:t>
-            </a:r>
-            <a:r>
-              <a:rPr lang="en-US" sz="2800" dirty="0" smtClean="0"/>
-              <a:t>2016</a:t>
+              <a:t>Tools : Spark</a:t>
             </a:r>
           </a:p>
           <a:p>
             <a:pPr marL="0" indent="0">
               <a:buNone/>
             </a:pPr>
-            <a:r>
-              <a:rPr lang="en-US" sz="2800" dirty="0" smtClean="0"/>
-              <a:t>    a) Collecting Web crawler Data 			    </a:t>
-            </a:r>
+            <a:endParaRPr lang="en-US" sz="2800" dirty="0" smtClean="0"/>
           </a:p>
           <a:p>
             <a:pPr marL="0" indent="0">
               <a:buNone/>
             </a:pPr>
-            <a:r>
-              <a:rPr lang="en-US" sz="2800" dirty="0" smtClean="0"/>
-              <a:t>    b) Developing UI for news portal</a:t>
-            </a:r>
-            <a:endParaRPr lang="en-US" sz="2200" dirty="0" smtClean="0"/>
-          </a:p>
-          <a:p>
-            <a:r>
-              <a:rPr lang="en-US" sz="2800" dirty="0" smtClean="0"/>
-              <a:t>Stage 2:													8 April 2016 </a:t>
-            </a:r>
-          </a:p>
-          <a:p>
-            <a:pPr marL="0" indent="0">
-              <a:buNone/>
-            </a:pPr>
-            <a:r>
-              <a:rPr lang="en-US" sz="2800" dirty="0"/>
-              <a:t> </a:t>
-            </a:r>
-            <a:r>
-              <a:rPr lang="en-US" sz="2800" dirty="0" smtClean="0"/>
-              <a:t>   a) Parse JSON data to compute percentage of words</a:t>
-            </a:r>
-          </a:p>
-          <a:p>
-            <a:pPr marL="0" indent="0">
-              <a:buNone/>
-            </a:pPr>
-            <a:r>
-              <a:rPr lang="en-US" sz="2800" dirty="0"/>
-              <a:t> </a:t>
-            </a:r>
-            <a:r>
-              <a:rPr lang="en-US" sz="2800" dirty="0" smtClean="0"/>
-              <a:t>   b) Derive data from user likes and dislikes and </a:t>
-            </a:r>
-          </a:p>
-          <a:p>
-            <a:pPr marL="0" indent="0">
-              <a:buNone/>
-            </a:pPr>
-            <a:r>
-              <a:rPr lang="en-US" sz="2800" dirty="0"/>
-              <a:t> </a:t>
-            </a:r>
-            <a:r>
-              <a:rPr lang="en-US" sz="2800" dirty="0" smtClean="0"/>
-              <a:t>       insert in to NoSQL database</a:t>
-            </a:r>
-          </a:p>
-          <a:p>
-            <a:r>
-              <a:rPr lang="en-US" sz="2800" dirty="0" smtClean="0"/>
-              <a:t>Stage 3: 													13 April 2016</a:t>
-            </a:r>
-          </a:p>
-          <a:p>
-            <a:pPr marL="0" indent="0">
-              <a:buNone/>
-            </a:pPr>
-            <a:r>
-              <a:rPr lang="en-US" sz="2800" dirty="0"/>
-              <a:t> </a:t>
-            </a:r>
-            <a:r>
-              <a:rPr lang="en-US" sz="2800" dirty="0" smtClean="0"/>
-              <a:t>    a) Applying Clustering Algorithms</a:t>
-            </a:r>
-          </a:p>
-          <a:p>
-            <a:pPr marL="0" indent="0">
-              <a:buNone/>
-            </a:pPr>
-            <a:r>
-              <a:rPr lang="en-US" sz="2800" dirty="0" smtClean="0"/>
-              <a:t>     b) Display news recommendations for user on his portal </a:t>
-            </a:r>
-          </a:p>
-          <a:p>
-            <a:r>
-              <a:rPr lang="en-US" sz="2800" dirty="0" smtClean="0"/>
-              <a:t>Stage 4:</a:t>
-            </a:r>
-            <a:r>
-              <a:rPr lang="en-US" sz="2800" dirty="0"/>
-              <a:t>													18 April 2016 </a:t>
-            </a:r>
-            <a:endParaRPr lang="en-US" sz="2800" dirty="0" smtClean="0"/>
-          </a:p>
-          <a:p>
-            <a:pPr marL="0" indent="0">
-              <a:buNone/>
-            </a:pPr>
-            <a:r>
-              <a:rPr lang="en-US" sz="2800" dirty="0"/>
-              <a:t> </a:t>
-            </a:r>
-            <a:r>
-              <a:rPr lang="en-US" sz="2800" dirty="0" smtClean="0"/>
-              <a:t>    a) Display graphs for news popularity													</a:t>
-            </a:r>
-            <a:endParaRPr lang="en-US" dirty="0"/>
+            <a:endParaRPr lang="en-US" sz="2800" dirty="0"/>
           </a:p>
         </p:txBody>
       </p:sp>
     </p:spTree>
     <p:extLst>
       <p:ext uri="{BB962C8B-B14F-4D97-AF65-F5344CB8AC3E}">
-        <p14:creationId xmlns:p14="http://schemas.microsoft.com/office/powerpoint/2010/main" val="1403680220"/>
+        <p14:creationId xmlns:p14="http://schemas.microsoft.com/office/powerpoint/2010/main" val="2458263964"/>
       </p:ext>
     </p:extLst>
   </p:cSld>
@@ -6568,11 +7925,7 @@
           <a:p>
             <a:r>
               <a:rPr lang="en-US" sz="4800" dirty="0" smtClean="0"/>
-              <a:t>Programming in </a:t>
-            </a:r>
-            <a:r>
-              <a:rPr lang="en-US" sz="4800" dirty="0" err="1" smtClean="0"/>
-              <a:t>scala</a:t>
+              <a:t>Research on finding news patterns</a:t>
             </a:r>
             <a:endParaRPr lang="en-US" sz="4800" dirty="0"/>
           </a:p>
@@ -6594,37 +7947,99 @@
           <a:lstStyle/>
           <a:p>
             <a:r>
-              <a:rPr lang="en-US" sz="2800" dirty="0" smtClean="0"/>
-              <a:t>Web Crawler</a:t>
-            </a:r>
-          </a:p>
-          <a:p>
-            <a:r>
-              <a:rPr lang="en-US" sz="2800" dirty="0" smtClean="0"/>
-              <a:t>Parse news data(JSON format)</a:t>
-            </a:r>
-          </a:p>
-          <a:p>
-            <a:r>
-              <a:rPr lang="en-US" sz="2800" dirty="0" smtClean="0"/>
-              <a:t>Separate news into words to compute percentage of words in news.</a:t>
-            </a:r>
-          </a:p>
-          <a:p>
-            <a:r>
-              <a:rPr lang="en-US" sz="2800" dirty="0" smtClean="0"/>
-              <a:t>Spark </a:t>
-            </a:r>
-            <a:r>
-              <a:rPr lang="en-US" sz="2800" dirty="0" err="1" smtClean="0"/>
-              <a:t>MLlib</a:t>
-            </a:r>
-            <a:r>
-              <a:rPr lang="en-US" sz="2800" dirty="0" smtClean="0"/>
-              <a:t> processing in Scala</a:t>
-            </a:r>
-          </a:p>
-          <a:p>
+              <a:rPr lang="en-US" dirty="0" smtClean="0"/>
+              <a:t>Based on the research done by us most of the </a:t>
+            </a:r>
+            <a:r>
+              <a:rPr lang="en-US" dirty="0" err="1" smtClean="0"/>
+              <a:t>urls</a:t>
+            </a:r>
+            <a:r>
+              <a:rPr lang="en-US" dirty="0" smtClean="0"/>
+              <a:t>  are of the following forms:</a:t>
+            </a:r>
+            <a:r>
+              <a:rPr lang="en-US" dirty="0"/>
+              <a:t/>
+            </a:r>
+            <a:br>
+              <a:rPr lang="en-US" dirty="0"/>
+            </a:br>
+            <a:r>
+              <a:rPr lang="en-US" dirty="0">
+                <a:hlinkClick r:id="rId2"/>
+              </a:rPr>
+              <a:t>http://</a:t>
+            </a:r>
+            <a:r>
+              <a:rPr lang="en-US" dirty="0" smtClean="0">
+                <a:hlinkClick r:id="rId2"/>
+              </a:rPr>
+              <a:t>www.vox.com/2016/4/19/11458024/snyder-michigan-flint-water</a:t>
+            </a:r>
+            <a:r>
+              <a:rPr lang="en-US" dirty="0"/>
+              <a:t> OR </a:t>
+            </a:r>
+            <a:br>
+              <a:rPr lang="en-US" dirty="0"/>
+            </a:br>
+            <a:r>
+              <a:rPr lang="en-US" dirty="0">
+                <a:hlinkClick r:id="rId3"/>
+              </a:rPr>
+              <a:t>http://</a:t>
+            </a:r>
+            <a:r>
+              <a:rPr lang="en-US" dirty="0" smtClean="0">
+                <a:hlinkClick r:id="rId3"/>
+              </a:rPr>
+              <a:t>www.slate.com/articles/health_and_science/future_tense/2016/04/biomedicine_facing_a_worse_replication_crisis_than_the_one_plaguing_psychology.html</a:t>
+            </a:r>
+            <a:endParaRPr lang="en-US" dirty="0" smtClean="0"/>
+          </a:p>
+          <a:p>
+            <a:r>
+              <a:rPr lang="en-US" dirty="0" smtClean="0"/>
+              <a:t>As you can see the </a:t>
+            </a:r>
+            <a:r>
+              <a:rPr lang="en-US" dirty="0" smtClean="0"/>
+              <a:t>URL</a:t>
+            </a:r>
+            <a:r>
+              <a:rPr lang="en-US" dirty="0" smtClean="0"/>
+              <a:t> </a:t>
+            </a:r>
+            <a:r>
+              <a:rPr lang="en-US" dirty="0" smtClean="0"/>
+              <a:t>contains 2016 which indicates they are the </a:t>
+            </a:r>
+            <a:r>
+              <a:rPr lang="en-US" dirty="0" smtClean="0"/>
+              <a:t>news articles</a:t>
+            </a:r>
+            <a:endParaRPr lang="en-US" dirty="0" smtClean="0"/>
+          </a:p>
+          <a:p>
+            <a:r>
+              <a:rPr lang="en-US" dirty="0" smtClean="0"/>
+              <a:t>Also the </a:t>
+            </a:r>
+            <a:r>
+              <a:rPr lang="en-US" dirty="0" smtClean="0"/>
+              <a:t>articles </a:t>
+            </a:r>
+            <a:r>
+              <a:rPr lang="en-US" dirty="0" smtClean="0"/>
+              <a:t>is separated by (_ or - )</a:t>
+            </a:r>
+          </a:p>
+          <a:p>
+            <a:r>
+              <a:rPr lang="en-US" dirty="0" smtClean="0"/>
+              <a:t>Hence filtering is to be done based on the above two points</a:t>
+            </a:r>
             <a:endParaRPr lang="en-US" dirty="0"/>
           </a:p>
         </p:txBody>
@@ -6632,20 +8047,13 @@
     </p:spTree>
     <p:extLst>
       <p:ext uri="{BB962C8B-B14F-4D97-AF65-F5344CB8AC3E}">
-        <p14:creationId xmlns:p14="http://schemas.microsoft.com/office/powerpoint/2010/main" val="2503263782"/>
+        <p14:creationId xmlns:p14="http://schemas.microsoft.com/office/powerpoint/2010/main" val="4023356668"/>
       </p:ext>
     </p:extLst>
   </p:cSld>
   <p:clrMapOvr>
     <a:masterClrMapping/>
   </p:clrMapOvr>
-  <p:timing>
-    <p:tnLst>
-      <p:par>
-        <p:cTn id="1" dur="indefinite" restart="never" nodeType="tmRoot"/>
-      </p:par>
-    </p:tnLst>
-  </p:timing>
 </p:sld>
 </file>
 
@@ -6679,14 +8087,25 @@
         <p:spPr/>
         <p:txBody>
           <a:bodyPr>
-            <a:normAutofit/>
+            <a:normAutofit fontScale="90000"/>
           </a:bodyPr>
           <a:lstStyle/>
           <a:p>
             <a:r>
+              <a:rPr lang="en-US" sz="5300" dirty="0" smtClean="0"/>
+              <a:t>How did we generate data</a:t>
+            </a:r>
+            <a:r>
+              <a:rPr lang="en-US" sz="5300" dirty="0" smtClean="0"/>
+              <a:t>?</a:t>
+            </a:r>
+            <a:r>
               <a:rPr lang="en-US" sz="4800" dirty="0" smtClean="0"/>
-              <a:t>Acceptance Criteria</a:t>
-            </a:r>
+              <a:t/>
+            </a:r>
+            <a:br>
+              <a:rPr lang="en-US" sz="4800" dirty="0" smtClean="0"/>
+            </a:br>
             <a:endParaRPr lang="en-US" sz="4800" dirty="0"/>
           </a:p>
         </p:txBody>
@@ -6703,40 +8122,127 @@
         </p:nvSpPr>
         <p:spPr/>
         <p:txBody>
-          <a:bodyPr>
-            <a:normAutofit/>
-          </a:bodyPr>
-          <a:lstStyle/>
-          <a:p>
-            <a:r>
-              <a:rPr lang="en-US" sz="2800" dirty="0" smtClean="0"/>
-              <a:t>Parse JSON data approx. 1GB using SCALA.</a:t>
-            </a:r>
-          </a:p>
-          <a:p>
-            <a:r>
-              <a:rPr lang="en-US" sz="2800" dirty="0" smtClean="0"/>
-              <a:t>Users will be shown news recommendation on his likes and </a:t>
-            </a:r>
-            <a:r>
-              <a:rPr lang="en-US" sz="2800" dirty="0" smtClean="0"/>
-              <a:t>dislikes ( trying to achieve a prediction rate of 0.60.)</a:t>
-            </a:r>
+          <a:bodyPr/>
+          <a:lstStyle/>
+          <a:p>
+            <a:r>
+              <a:rPr lang="en-US" sz="2400" dirty="0" smtClean="0"/>
+              <a:t>Used Web crawler to collect URLS from various News portals</a:t>
+            </a:r>
+          </a:p>
+          <a:p>
+            <a:r>
+              <a:rPr lang="en-US" sz="2400" dirty="0" smtClean="0"/>
+              <a:t>Some of the news </a:t>
+            </a:r>
+            <a:r>
+              <a:rPr lang="en-US" sz="2400" dirty="0" smtClean="0"/>
+              <a:t>portals used: </a:t>
+            </a:r>
+          </a:p>
+          <a:p>
+            <a:pPr marL="514350" indent="-514350">
+              <a:buFont typeface="+mj-lt"/>
+              <a:buAutoNum type="alphaLcPeriod"/>
+            </a:pPr>
+            <a:r>
+              <a:rPr lang="en-US" sz="2400" dirty="0">
+                <a:hlinkClick r:id="rId2"/>
+              </a:rPr>
+              <a:t>http://www.nytimes.com</a:t>
+            </a:r>
+            <a:r>
+              <a:rPr lang="en-US" sz="2400" dirty="0" smtClean="0">
+                <a:hlinkClick r:id="rId2"/>
+              </a:rPr>
+              <a:t>/</a:t>
+            </a:r>
+            <a:endParaRPr lang="en-US" sz="2400" dirty="0" smtClean="0"/>
+          </a:p>
+          <a:p>
+            <a:pPr marL="514350" indent="-514350">
+              <a:buFont typeface="+mj-lt"/>
+              <a:buAutoNum type="alphaLcPeriod"/>
+            </a:pPr>
+            <a:r>
+              <a:rPr lang="en-US" sz="2400" dirty="0">
+                <a:hlinkClick r:id="rId3"/>
+              </a:rPr>
+              <a:t>https://www.washingtonpost.com</a:t>
+            </a:r>
+            <a:r>
+              <a:rPr lang="en-US" sz="2400" dirty="0" smtClean="0">
+                <a:hlinkClick r:id="rId3"/>
+              </a:rPr>
+              <a:t>/</a:t>
+            </a:r>
+            <a:endParaRPr lang="en-US" sz="2400" dirty="0" smtClean="0"/>
+          </a:p>
+          <a:p>
+            <a:pPr marL="514350" indent="-514350">
+              <a:buFont typeface="+mj-lt"/>
+              <a:buAutoNum type="alphaLcPeriod"/>
+            </a:pPr>
+            <a:r>
+              <a:rPr lang="en-US" sz="2400" dirty="0" smtClean="0">
+                <a:hlinkClick r:id="rId4"/>
+              </a:rPr>
+              <a:t>http</a:t>
+            </a:r>
+            <a:r>
+              <a:rPr lang="en-US" sz="2400" dirty="0">
+                <a:hlinkClick r:id="rId4"/>
+              </a:rPr>
+              <a:t>://www.foxnews.com</a:t>
+            </a:r>
+            <a:r>
+              <a:rPr lang="en-US" sz="2400" dirty="0" smtClean="0">
+                <a:hlinkClick r:id="rId4"/>
+              </a:rPr>
+              <a:t>/</a:t>
+            </a:r>
+            <a:endParaRPr lang="en-US" sz="2400" dirty="0" smtClean="0"/>
+          </a:p>
+          <a:p>
+            <a:pPr marL="514350" indent="-514350">
+              <a:buFont typeface="+mj-lt"/>
+              <a:buAutoNum type="alphaLcPeriod"/>
+            </a:pPr>
+            <a:r>
+              <a:rPr lang="en-US" sz="2400" dirty="0">
+                <a:hlinkClick r:id="rId5"/>
+              </a:rPr>
+              <a:t>http://www.vox.com</a:t>
+            </a:r>
+            <a:r>
+              <a:rPr lang="en-US" sz="2400" dirty="0" smtClean="0">
+                <a:hlinkClick r:id="rId5"/>
+              </a:rPr>
+              <a:t>/</a:t>
+            </a:r>
+            <a:endParaRPr lang="en-US" sz="2400" dirty="0" smtClean="0"/>
+          </a:p>
+          <a:p>
+            <a:pPr marL="0" indent="0">
+              <a:buNone/>
+            </a:pPr>
             <a:endParaRPr lang="en-US" sz="2800" dirty="0" smtClean="0"/>
           </a:p>
           <a:p>
-            <a:r>
-              <a:rPr lang="en-US" sz="2800" dirty="0" smtClean="0"/>
-              <a:t>News popularity chart will be shown for analytics.</a:t>
-            </a:r>
+            <a:pPr marL="0" indent="0">
+              <a:buNone/>
+            </a:pPr>
             <a:endParaRPr lang="en-US" sz="2800" dirty="0"/>
+          </a:p>
+          <a:p>
+            <a:endParaRPr lang="en-US" dirty="0"/>
           </a:p>
         </p:txBody>
       </p:sp>
     </p:spTree>
     <p:extLst>
       <p:ext uri="{BB962C8B-B14F-4D97-AF65-F5344CB8AC3E}">
-        <p14:creationId xmlns:p14="http://schemas.microsoft.com/office/powerpoint/2010/main" val="309275568"/>
+        <p14:creationId xmlns:p14="http://schemas.microsoft.com/office/powerpoint/2010/main" val="1274787746"/>
       </p:ext>
     </p:extLst>
   </p:cSld>
@@ -6780,20 +8286,160 @@
             <p:ph type="title"/>
           </p:nvPr>
         </p:nvSpPr>
-        <p:spPr>
-          <a:xfrm>
-            <a:off x="2229930" y="2757578"/>
-            <a:ext cx="10131425" cy="1456267"/>
-          </a:xfrm>
-        </p:spPr>
+        <p:spPr/>
+        <p:txBody>
+          <a:bodyPr>
+            <a:normAutofit/>
+          </a:bodyPr>
+          <a:lstStyle/>
+          <a:p>
+            <a:r>
+              <a:rPr lang="en-US" sz="4800" dirty="0" smtClean="0"/>
+              <a:t>How was data filtered?</a:t>
+            </a:r>
+            <a:endParaRPr lang="en-US" sz="4800" dirty="0"/>
+          </a:p>
+        </p:txBody>
+      </p:sp>
+      <p:sp>
+        <p:nvSpPr>
+          <p:cNvPr id="3" name="Content Placeholder 2"/>
+          <p:cNvSpPr>
+            <a:spLocks noGrp="1"/>
+          </p:cNvSpPr>
+          <p:nvPr>
+            <p:ph idx="1"/>
+          </p:nvPr>
+        </p:nvSpPr>
+        <p:spPr/>
         <p:txBody>
           <a:bodyPr/>
           <a:lstStyle/>
           <a:p>
             <a:r>
               <a:rPr lang="en-US" dirty="0" smtClean="0"/>
-              <a:t>Thank You!</a:t>
-            </a:r>
+              <a:t>Filter out </a:t>
+            </a:r>
+            <a:r>
+              <a:rPr lang="en-US" dirty="0" smtClean="0"/>
+              <a:t>URL</a:t>
+            </a:r>
+            <a:r>
+              <a:rPr lang="en-US" dirty="0" smtClean="0"/>
+              <a:t> </a:t>
+            </a:r>
+            <a:r>
+              <a:rPr lang="en-US" dirty="0" smtClean="0"/>
+              <a:t>which contain 2016 </a:t>
+            </a:r>
+          </a:p>
+          <a:p>
+            <a:r>
+              <a:rPr lang="en-US" dirty="0" smtClean="0"/>
+              <a:t>Split the </a:t>
+            </a:r>
+            <a:r>
+              <a:rPr lang="en-US" dirty="0"/>
+              <a:t>URL </a:t>
+            </a:r>
+            <a:r>
+              <a:rPr lang="en-US" dirty="0" smtClean="0"/>
+              <a:t>based </a:t>
+            </a:r>
+            <a:r>
+              <a:rPr lang="en-US" dirty="0" err="1" smtClean="0"/>
+              <a:t>based</a:t>
+            </a:r>
+            <a:r>
+              <a:rPr lang="en-US" dirty="0" smtClean="0"/>
+              <a:t> on word, text and </a:t>
+            </a:r>
+            <a:r>
+              <a:rPr lang="en-US" dirty="0"/>
+              <a:t>URL </a:t>
+            </a:r>
+            <a:r>
+              <a:rPr lang="en-US" dirty="0" smtClean="0"/>
+              <a:t>where</a:t>
+            </a:r>
+          </a:p>
+          <a:p>
+            <a:pPr marL="0" indent="0">
+              <a:buNone/>
+            </a:pPr>
+            <a:r>
+              <a:rPr lang="en-US" dirty="0"/>
+              <a:t> </a:t>
+            </a:r>
+            <a:r>
+              <a:rPr lang="en-US" dirty="0" smtClean="0"/>
+              <a:t>for </a:t>
+            </a:r>
+            <a:r>
+              <a:rPr lang="en-US" dirty="0" err="1" smtClean="0"/>
+              <a:t>eg</a:t>
+            </a:r>
+            <a:r>
+              <a:rPr lang="en-US" dirty="0" smtClean="0"/>
+              <a:t>: Consider the following </a:t>
+            </a:r>
+            <a:r>
+              <a:rPr lang="en-US" dirty="0"/>
+              <a:t>URL </a:t>
+            </a:r>
+            <a:r>
+              <a:rPr lang="en-US" dirty="0" smtClean="0">
+                <a:hlinkClick r:id="rId2"/>
+              </a:rPr>
+              <a:t>http</a:t>
+            </a:r>
+            <a:r>
+              <a:rPr lang="en-US" dirty="0">
+                <a:hlinkClick r:id="rId2"/>
+              </a:rPr>
+              <a:t>://</a:t>
+            </a:r>
+            <a:r>
+              <a:rPr lang="en-US" dirty="0" smtClean="0">
+                <a:hlinkClick r:id="rId2"/>
+              </a:rPr>
+              <a:t>www.slate.com/articles/health_and_science/future_tense/2016/04/biomedicine_facing_a_worse_replication_crisis_than_the_one_plaguing_psychology.html</a:t>
+            </a:r>
+            <a:endParaRPr lang="en-US" dirty="0" smtClean="0"/>
+          </a:p>
+          <a:p>
+            <a:pPr marL="0" indent="0">
+              <a:buNone/>
+            </a:pPr>
+            <a:r>
+              <a:rPr lang="en-US" dirty="0" smtClean="0"/>
+              <a:t>Word: Biomedicine, facing, worse, replication, plaguing, psychology</a:t>
+            </a:r>
+          </a:p>
+          <a:p>
+            <a:pPr marL="0" indent="0">
+              <a:buNone/>
+            </a:pPr>
+            <a:r>
+              <a:rPr lang="en-US" dirty="0" smtClean="0"/>
+              <a:t>Text: biomedicine_facing_a_worse_replication_crisis_than_the_one_plaguing_psychology</a:t>
+            </a:r>
+          </a:p>
+          <a:p>
+            <a:pPr marL="0" indent="0">
+              <a:buNone/>
+            </a:pPr>
+            <a:r>
+              <a:rPr lang="en-US" dirty="0" smtClean="0"/>
+              <a:t>URL: </a:t>
+            </a:r>
+            <a:r>
+              <a:rPr lang="en-US" dirty="0"/>
+              <a:t>http://www.slate.com</a:t>
+            </a:r>
+            <a:endParaRPr lang="en-US" dirty="0" smtClean="0"/>
+          </a:p>
+          <a:p>
             <a:endParaRPr lang="en-US" dirty="0"/>
           </a:p>
         </p:txBody>
@@ -6801,20 +8447,110 @@
     </p:spTree>
     <p:extLst>
       <p:ext uri="{BB962C8B-B14F-4D97-AF65-F5344CB8AC3E}">
-        <p14:creationId xmlns:p14="http://schemas.microsoft.com/office/powerpoint/2010/main" val="453853354"/>
+        <p14:creationId xmlns:p14="http://schemas.microsoft.com/office/powerpoint/2010/main" val="1841928456"/>
       </p:ext>
     </p:extLst>
   </p:cSld>
   <p:clrMapOvr>
     <a:masterClrMapping/>
   </p:clrMapOvr>
-  <p:timing>
-    <p:tnLst>
-      <p:par>
-        <p:cTn id="1" dur="indefinite" restart="never" nodeType="tmRoot"/>
-      </p:par>
-    </p:tnLst>
-  </p:timing>
+</p:sld>
+</file>
+
+<file path=ppt/slides/slide9.xml><?xml version="1.0" encoding="utf-8"?>
+<p:sld xmlns:a="http://schemas.openxmlformats.org/drawingml/2006/main" xmlns:r="http://schemas.openxmlformats.org/officeDocument/2006/relationships" xmlns:p="http://schemas.openxmlformats.org/presentationml/2006/main">
+  <p:cSld>
+    <p:spTree>
+      <p:nvGrpSpPr>
+        <p:cNvPr id="1" name=""/>
+        <p:cNvGrpSpPr/>
+        <p:nvPr/>
+      </p:nvGrpSpPr>
+      <p:grpSpPr>
+        <a:xfrm>
+          <a:off x="0" y="0"/>
+          <a:ext cx="0" cy="0"/>
+          <a:chOff x="0" y="0"/>
+          <a:chExt cx="0" cy="0"/>
+        </a:xfrm>
+      </p:grpSpPr>
+      <p:sp>
+        <p:nvSpPr>
+          <p:cNvPr id="2" name="Title 1"/>
+          <p:cNvSpPr>
+            <a:spLocks noGrp="1"/>
+          </p:cNvSpPr>
+          <p:nvPr>
+            <p:ph type="title"/>
+          </p:nvPr>
+        </p:nvSpPr>
+        <p:spPr/>
+        <p:txBody>
+          <a:bodyPr/>
+          <a:lstStyle/>
+          <a:p>
+            <a:r>
+              <a:rPr lang="en-US" dirty="0" smtClean="0"/>
+              <a:t>Amount of data generated</a:t>
+            </a:r>
+            <a:endParaRPr lang="en-US" dirty="0"/>
+          </a:p>
+        </p:txBody>
+      </p:sp>
+      <p:sp>
+        <p:nvSpPr>
+          <p:cNvPr id="3" name="Content Placeholder 2"/>
+          <p:cNvSpPr>
+            <a:spLocks noGrp="1"/>
+          </p:cNvSpPr>
+          <p:nvPr>
+            <p:ph idx="1"/>
+          </p:nvPr>
+        </p:nvSpPr>
+        <p:spPr/>
+        <p:txBody>
+          <a:bodyPr/>
+          <a:lstStyle/>
+          <a:p>
+            <a:r>
+              <a:rPr lang="en-US" sz="2400" dirty="0" smtClean="0"/>
+              <a:t>Web Crawler generated </a:t>
+            </a:r>
+            <a:r>
+              <a:rPr lang="en-US" sz="2400" dirty="0" smtClean="0"/>
+              <a:t>around :</a:t>
+            </a:r>
+          </a:p>
+          <a:p>
+            <a:r>
+              <a:rPr lang="en-US" sz="2400" dirty="0" smtClean="0"/>
+              <a:t>Filtered Data with news articles</a:t>
+            </a:r>
+            <a:r>
+              <a:rPr lang="en-US" dirty="0" smtClean="0"/>
+              <a:t>:</a:t>
+            </a:r>
+            <a:r>
+              <a:rPr lang="en-US" dirty="0" smtClean="0"/>
+              <a:t> </a:t>
+            </a:r>
+            <a:endParaRPr lang="en-US" dirty="0" smtClean="0"/>
+          </a:p>
+          <a:p>
+            <a:endParaRPr lang="en-US" dirty="0"/>
+          </a:p>
+        </p:txBody>
+      </p:sp>
+    </p:spTree>
+    <p:extLst>
+      <p:ext uri="{BB962C8B-B14F-4D97-AF65-F5344CB8AC3E}">
+        <p14:creationId xmlns:p14="http://schemas.microsoft.com/office/powerpoint/2010/main" val="1506249597"/>
+      </p:ext>
+    </p:extLst>
+  </p:cSld>
+  <p:clrMapOvr>
+    <a:masterClrMapping/>
+  </p:clrMapOvr>
 </p:sld>
 </file>
 
